--- a/GAN MNIST/some slides.pptx
+++ b/GAN MNIST/some slides.pptx
@@ -8,14 +8,22 @@
     <p:sldId id="265" r:id="rId2"/>
     <p:sldId id="258" r:id="rId3"/>
     <p:sldId id="256" r:id="rId4"/>
-    <p:sldId id="259" r:id="rId5"/>
-    <p:sldId id="260" r:id="rId6"/>
-    <p:sldId id="262" r:id="rId7"/>
-    <p:sldId id="263" r:id="rId8"/>
-    <p:sldId id="264" r:id="rId9"/>
-    <p:sldId id="266" r:id="rId10"/>
-    <p:sldId id="257" r:id="rId11"/>
-    <p:sldId id="267" r:id="rId12"/>
+    <p:sldId id="268" r:id="rId5"/>
+    <p:sldId id="259" r:id="rId6"/>
+    <p:sldId id="269" r:id="rId7"/>
+    <p:sldId id="260" r:id="rId8"/>
+    <p:sldId id="262" r:id="rId9"/>
+    <p:sldId id="270" r:id="rId10"/>
+    <p:sldId id="272" r:id="rId11"/>
+    <p:sldId id="273" r:id="rId12"/>
+    <p:sldId id="271" r:id="rId13"/>
+    <p:sldId id="266" r:id="rId14"/>
+    <p:sldId id="274" r:id="rId15"/>
+    <p:sldId id="275" r:id="rId16"/>
+    <p:sldId id="276" r:id="rId17"/>
+    <p:sldId id="277" r:id="rId18"/>
+    <p:sldId id="257" r:id="rId19"/>
+    <p:sldId id="267" r:id="rId20"/>
   </p:sldIdLst>
   <p:sldSz cx="12192000" cy="6858000"/>
   <p:notesSz cx="6858000" cy="9144000"/>
@@ -145,6 +153,45 @@
     </a:lvl9pPr>
   </p:defaultTextStyle>
   <p:extLst>
+    <p:ext uri="{521415D9-36F7-43E2-AB2F-B90AF26B5E84}">
+      <p14:sectionLst xmlns:p14="http://schemas.microsoft.com/office/powerpoint/2010/main">
+        <p14:section name="Раздел по умолчанию" id="{0BB20608-5F2B-48B5-B1ED-3AE19B040F50}">
+          <p14:sldIdLst>
+            <p14:sldId id="265"/>
+          </p14:sldIdLst>
+        </p14:section>
+        <p14:section name="Проблема" id="{36CE6F2B-17FC-4B17-BB32-5C3753AA1B40}">
+          <p14:sldIdLst>
+            <p14:sldId id="258"/>
+            <p14:sldId id="256"/>
+            <p14:sldId id="268"/>
+          </p14:sldIdLst>
+        </p14:section>
+        <p14:section name="MNIST GAN" id="{98C244EA-E54E-4CDB-A37B-C6002EA045A7}">
+          <p14:sldIdLst>
+            <p14:sldId id="259"/>
+            <p14:sldId id="269"/>
+            <p14:sldId id="260"/>
+            <p14:sldId id="262"/>
+            <p14:sldId id="270"/>
+            <p14:sldId id="272"/>
+            <p14:sldId id="273"/>
+          </p14:sldIdLst>
+        </p14:section>
+        <p14:section name="Templates" id="{823E00FB-10E7-4559-A39C-342A441D6C96}">
+          <p14:sldIdLst>
+            <p14:sldId id="271"/>
+            <p14:sldId id="266"/>
+            <p14:sldId id="274"/>
+            <p14:sldId id="275"/>
+            <p14:sldId id="276"/>
+            <p14:sldId id="277"/>
+            <p14:sldId id="257"/>
+            <p14:sldId id="267"/>
+          </p14:sldIdLst>
+        </p14:section>
+      </p14:sectionLst>
+    </p:ext>
     <p:ext uri="{EFAFB233-063F-42B5-8137-9DF3F51BA10A}">
       <p15:sldGuideLst xmlns:p15="http://schemas.microsoft.com/office/powerpoint/2012/main"/>
     </p:ext>
@@ -297,7 +344,7 @@
               <a:pPr>
                 <a:defRPr/>
               </a:pPr>
-              <a:t>11.11.2019</a:t>
+              <a:t>12.11.2019</a:t>
             </a:fld>
             <a:endParaRPr lang="ru-RU"/>
           </a:p>
@@ -510,7 +557,7 @@
               <a:pPr>
                 <a:defRPr/>
               </a:pPr>
-              <a:t>11.11.2019</a:t>
+              <a:t>12.11.2019</a:t>
             </a:fld>
             <a:endParaRPr lang="ru-RU"/>
           </a:p>
@@ -733,7 +780,7 @@
               <a:pPr>
                 <a:defRPr/>
               </a:pPr>
-              <a:t>11.11.2019</a:t>
+              <a:t>12.11.2019</a:t>
             </a:fld>
             <a:endParaRPr lang="ru-RU"/>
           </a:p>
@@ -946,7 +993,7 @@
               <a:pPr>
                 <a:defRPr/>
               </a:pPr>
-              <a:t>11.11.2019</a:t>
+              <a:t>12.11.2019</a:t>
             </a:fld>
             <a:endParaRPr lang="ru-RU"/>
           </a:p>
@@ -1236,7 +1283,7 @@
               <a:pPr>
                 <a:defRPr/>
               </a:pPr>
-              <a:t>11.11.2019</a:t>
+              <a:t>12.11.2019</a:t>
             </a:fld>
             <a:endParaRPr lang="ru-RU"/>
           </a:p>
@@ -1510,7 +1557,7 @@
               <a:pPr>
                 <a:defRPr/>
               </a:pPr>
-              <a:t>11.11.2019</a:t>
+              <a:t>12.11.2019</a:t>
             </a:fld>
             <a:endParaRPr lang="ru-RU"/>
           </a:p>
@@ -1919,7 +1966,7 @@
               <a:pPr>
                 <a:defRPr/>
               </a:pPr>
-              <a:t>11.11.2019</a:t>
+              <a:t>12.11.2019</a:t>
             </a:fld>
             <a:endParaRPr lang="ru-RU"/>
           </a:p>
@@ -2081,7 +2128,7 @@
               <a:pPr>
                 <a:defRPr/>
               </a:pPr>
-              <a:t>11.11.2019</a:t>
+              <a:t>12.11.2019</a:t>
             </a:fld>
             <a:endParaRPr lang="ru-RU"/>
           </a:p>
@@ -2221,7 +2268,7 @@
               <a:pPr>
                 <a:defRPr/>
               </a:pPr>
-              <a:t>11.11.2019</a:t>
+              <a:t>12.11.2019</a:t>
             </a:fld>
             <a:endParaRPr lang="ru-RU"/>
           </a:p>
@@ -2541,7 +2588,7 @@
               <a:pPr>
                 <a:defRPr/>
               </a:pPr>
-              <a:t>11.11.2019</a:t>
+              <a:t>12.11.2019</a:t>
             </a:fld>
             <a:endParaRPr lang="ru-RU"/>
           </a:p>
@@ -2841,7 +2888,7 @@
               <a:pPr>
                 <a:defRPr/>
               </a:pPr>
-              <a:t>11.11.2019</a:t>
+              <a:t>12.11.2019</a:t>
             </a:fld>
             <a:endParaRPr lang="ru-RU"/>
           </a:p>
@@ -3166,7 +3213,7 @@
               <a:pPr>
                 <a:defRPr/>
               </a:pPr>
-              <a:t>11.11.2019</a:t>
+              <a:t>12.11.2019</a:t>
             </a:fld>
             <a:endParaRPr lang="ru-RU"/>
           </a:p>
@@ -3808,6 +3855,1321 @@
           <a:chExt cx="0" cy="0"/>
         </a:xfrm>
       </p:grpSpPr>
+      <p:sp>
+        <p:nvSpPr>
+          <p:cNvPr id="8" name="Заголовок 1">
+            <a:extLst>
+              <a:ext uri="{FF2B5EF4-FFF2-40B4-BE49-F238E27FC236}">
+                <a16:creationId xmlns:a16="http://schemas.microsoft.com/office/drawing/2014/main" id="{5C329C9C-0164-4B19-909C-4F31229BF9FF}"/>
+              </a:ext>
+            </a:extLst>
+          </p:cNvPr>
+          <p:cNvSpPr txBox="1">
+            <a:spLocks/>
+          </p:cNvSpPr>
+          <p:nvPr/>
+        </p:nvSpPr>
+        <p:spPr>
+          <a:xfrm>
+            <a:off x="3313650" y="365125"/>
+            <a:ext cx="8040149" cy="1325563"/>
+          </a:xfrm>
+          <a:prstGeom prst="rect">
+            <a:avLst/>
+          </a:prstGeom>
+        </p:spPr>
+        <p:txBody>
+          <a:bodyPr/>
+          <a:lstStyle>
+            <a:lvl1pPr algn="l" rtl="0" fontAlgn="base">
+              <a:lnSpc>
+                <a:spcPct val="90000"/>
+              </a:lnSpc>
+              <a:spcBef>
+                <a:spcPct val="0"/>
+              </a:spcBef>
+              <a:spcAft>
+                <a:spcPct val="0"/>
+              </a:spcAft>
+              <a:defRPr sz="4400" kern="1200">
+                <a:solidFill>
+                  <a:schemeClr val="tx1"/>
+                </a:solidFill>
+                <a:latin typeface="+mj-lt"/>
+                <a:ea typeface="+mj-ea"/>
+                <a:cs typeface="+mj-cs"/>
+              </a:defRPr>
+            </a:lvl1pPr>
+            <a:lvl2pPr algn="l" rtl="0" fontAlgn="base">
+              <a:lnSpc>
+                <a:spcPct val="90000"/>
+              </a:lnSpc>
+              <a:spcBef>
+                <a:spcPct val="0"/>
+              </a:spcBef>
+              <a:spcAft>
+                <a:spcPct val="0"/>
+              </a:spcAft>
+              <a:defRPr sz="4400">
+                <a:solidFill>
+                  <a:schemeClr val="tx1"/>
+                </a:solidFill>
+                <a:latin typeface="Calibri Light" panose="020F0302020204030204" pitchFamily="34" charset="0"/>
+              </a:defRPr>
+            </a:lvl2pPr>
+            <a:lvl3pPr algn="l" rtl="0" fontAlgn="base">
+              <a:lnSpc>
+                <a:spcPct val="90000"/>
+              </a:lnSpc>
+              <a:spcBef>
+                <a:spcPct val="0"/>
+              </a:spcBef>
+              <a:spcAft>
+                <a:spcPct val="0"/>
+              </a:spcAft>
+              <a:defRPr sz="4400">
+                <a:solidFill>
+                  <a:schemeClr val="tx1"/>
+                </a:solidFill>
+                <a:latin typeface="Calibri Light" panose="020F0302020204030204" pitchFamily="34" charset="0"/>
+              </a:defRPr>
+            </a:lvl3pPr>
+            <a:lvl4pPr algn="l" rtl="0" fontAlgn="base">
+              <a:lnSpc>
+                <a:spcPct val="90000"/>
+              </a:lnSpc>
+              <a:spcBef>
+                <a:spcPct val="0"/>
+              </a:spcBef>
+              <a:spcAft>
+                <a:spcPct val="0"/>
+              </a:spcAft>
+              <a:defRPr sz="4400">
+                <a:solidFill>
+                  <a:schemeClr val="tx1"/>
+                </a:solidFill>
+                <a:latin typeface="Calibri Light" panose="020F0302020204030204" pitchFamily="34" charset="0"/>
+              </a:defRPr>
+            </a:lvl4pPr>
+            <a:lvl5pPr algn="l" rtl="0" fontAlgn="base">
+              <a:lnSpc>
+                <a:spcPct val="90000"/>
+              </a:lnSpc>
+              <a:spcBef>
+                <a:spcPct val="0"/>
+              </a:spcBef>
+              <a:spcAft>
+                <a:spcPct val="0"/>
+              </a:spcAft>
+              <a:defRPr sz="4400">
+                <a:solidFill>
+                  <a:schemeClr val="tx1"/>
+                </a:solidFill>
+                <a:latin typeface="Calibri Light" panose="020F0302020204030204" pitchFamily="34" charset="0"/>
+              </a:defRPr>
+            </a:lvl5pPr>
+            <a:lvl6pPr marL="457200" algn="l" rtl="0" fontAlgn="base">
+              <a:lnSpc>
+                <a:spcPct val="90000"/>
+              </a:lnSpc>
+              <a:spcBef>
+                <a:spcPct val="0"/>
+              </a:spcBef>
+              <a:spcAft>
+                <a:spcPct val="0"/>
+              </a:spcAft>
+              <a:defRPr sz="4400">
+                <a:solidFill>
+                  <a:schemeClr val="tx1"/>
+                </a:solidFill>
+                <a:latin typeface="Calibri Light" panose="020F0302020204030204" pitchFamily="34" charset="0"/>
+              </a:defRPr>
+            </a:lvl6pPr>
+            <a:lvl7pPr marL="914400" algn="l" rtl="0" fontAlgn="base">
+              <a:lnSpc>
+                <a:spcPct val="90000"/>
+              </a:lnSpc>
+              <a:spcBef>
+                <a:spcPct val="0"/>
+              </a:spcBef>
+              <a:spcAft>
+                <a:spcPct val="0"/>
+              </a:spcAft>
+              <a:defRPr sz="4400">
+                <a:solidFill>
+                  <a:schemeClr val="tx1"/>
+                </a:solidFill>
+                <a:latin typeface="Calibri Light" panose="020F0302020204030204" pitchFamily="34" charset="0"/>
+              </a:defRPr>
+            </a:lvl7pPr>
+            <a:lvl8pPr marL="1371600" algn="l" rtl="0" fontAlgn="base">
+              <a:lnSpc>
+                <a:spcPct val="90000"/>
+              </a:lnSpc>
+              <a:spcBef>
+                <a:spcPct val="0"/>
+              </a:spcBef>
+              <a:spcAft>
+                <a:spcPct val="0"/>
+              </a:spcAft>
+              <a:defRPr sz="4400">
+                <a:solidFill>
+                  <a:schemeClr val="tx1"/>
+                </a:solidFill>
+                <a:latin typeface="Calibri Light" panose="020F0302020204030204" pitchFamily="34" charset="0"/>
+              </a:defRPr>
+            </a:lvl8pPr>
+            <a:lvl9pPr marL="1828800" algn="l" rtl="0" fontAlgn="base">
+              <a:lnSpc>
+                <a:spcPct val="90000"/>
+              </a:lnSpc>
+              <a:spcBef>
+                <a:spcPct val="0"/>
+              </a:spcBef>
+              <a:spcAft>
+                <a:spcPct val="0"/>
+              </a:spcAft>
+              <a:defRPr sz="4400">
+                <a:solidFill>
+                  <a:schemeClr val="tx1"/>
+                </a:solidFill>
+                <a:latin typeface="Calibri Light" panose="020F0302020204030204" pitchFamily="34" charset="0"/>
+              </a:defRPr>
+            </a:lvl9pPr>
+          </a:lstStyle>
+          <a:p>
+            <a:pPr eaLnBrk="1" hangingPunct="1"/>
+            <a:r>
+              <a:rPr lang="ru-RU"/>
+              <a:t>Как противостоять атакам?</a:t>
+            </a:r>
+            <a:endParaRPr lang="ru-RU" dirty="0"/>
+          </a:p>
+        </p:txBody>
+      </p:sp>
+      <p:sp>
+        <p:nvSpPr>
+          <p:cNvPr id="10" name="Объект 2">
+            <a:extLst>
+              <a:ext uri="{FF2B5EF4-FFF2-40B4-BE49-F238E27FC236}">
+                <a16:creationId xmlns:a16="http://schemas.microsoft.com/office/drawing/2014/main" id="{36DB2A1B-E185-4A5B-971C-88F16F7E1095}"/>
+              </a:ext>
+            </a:extLst>
+          </p:cNvPr>
+          <p:cNvSpPr txBox="1">
+            <a:spLocks/>
+          </p:cNvSpPr>
+          <p:nvPr/>
+        </p:nvSpPr>
+        <p:spPr>
+          <a:xfrm>
+            <a:off x="838200" y="1825625"/>
+            <a:ext cx="10515600" cy="4351338"/>
+          </a:xfrm>
+          <a:prstGeom prst="rect">
+            <a:avLst/>
+          </a:prstGeom>
+        </p:spPr>
+        <p:txBody>
+          <a:bodyPr/>
+          <a:lstStyle>
+            <a:lvl1pPr marL="228600" indent="-228600" algn="l" rtl="0" fontAlgn="base">
+              <a:lnSpc>
+                <a:spcPct val="90000"/>
+              </a:lnSpc>
+              <a:spcBef>
+                <a:spcPts val="1000"/>
+              </a:spcBef>
+              <a:spcAft>
+                <a:spcPct val="0"/>
+              </a:spcAft>
+              <a:buFont typeface="Arial" panose="020B0604020202020204" pitchFamily="34" charset="0"/>
+              <a:buChar char="•"/>
+              <a:defRPr sz="2800" kern="1200">
+                <a:solidFill>
+                  <a:schemeClr val="tx1"/>
+                </a:solidFill>
+                <a:latin typeface="+mn-lt"/>
+                <a:ea typeface="+mn-ea"/>
+                <a:cs typeface="+mn-cs"/>
+              </a:defRPr>
+            </a:lvl1pPr>
+            <a:lvl2pPr marL="685800" indent="-228600" algn="l" rtl="0" fontAlgn="base">
+              <a:lnSpc>
+                <a:spcPct val="90000"/>
+              </a:lnSpc>
+              <a:spcBef>
+                <a:spcPts val="500"/>
+              </a:spcBef>
+              <a:spcAft>
+                <a:spcPct val="0"/>
+              </a:spcAft>
+              <a:buFont typeface="Arial" panose="020B0604020202020204" pitchFamily="34" charset="0"/>
+              <a:buChar char="•"/>
+              <a:defRPr sz="2400" kern="1200">
+                <a:solidFill>
+                  <a:schemeClr val="tx1"/>
+                </a:solidFill>
+                <a:latin typeface="+mn-lt"/>
+                <a:ea typeface="+mn-ea"/>
+                <a:cs typeface="+mn-cs"/>
+              </a:defRPr>
+            </a:lvl2pPr>
+            <a:lvl3pPr marL="1143000" indent="-228600" algn="l" rtl="0" fontAlgn="base">
+              <a:lnSpc>
+                <a:spcPct val="90000"/>
+              </a:lnSpc>
+              <a:spcBef>
+                <a:spcPts val="500"/>
+              </a:spcBef>
+              <a:spcAft>
+                <a:spcPct val="0"/>
+              </a:spcAft>
+              <a:buFont typeface="Arial" panose="020B0604020202020204" pitchFamily="34" charset="0"/>
+              <a:buChar char="•"/>
+              <a:defRPr sz="2000" kern="1200">
+                <a:solidFill>
+                  <a:schemeClr val="tx1"/>
+                </a:solidFill>
+                <a:latin typeface="+mn-lt"/>
+                <a:ea typeface="+mn-ea"/>
+                <a:cs typeface="+mn-cs"/>
+              </a:defRPr>
+            </a:lvl3pPr>
+            <a:lvl4pPr marL="1600200" indent="-228600" algn="l" rtl="0" fontAlgn="base">
+              <a:lnSpc>
+                <a:spcPct val="90000"/>
+              </a:lnSpc>
+              <a:spcBef>
+                <a:spcPts val="500"/>
+              </a:spcBef>
+              <a:spcAft>
+                <a:spcPct val="0"/>
+              </a:spcAft>
+              <a:buFont typeface="Arial" panose="020B0604020202020204" pitchFamily="34" charset="0"/>
+              <a:buChar char="•"/>
+              <a:defRPr kern="1200">
+                <a:solidFill>
+                  <a:schemeClr val="tx1"/>
+                </a:solidFill>
+                <a:latin typeface="+mn-lt"/>
+                <a:ea typeface="+mn-ea"/>
+                <a:cs typeface="+mn-cs"/>
+              </a:defRPr>
+            </a:lvl4pPr>
+            <a:lvl5pPr marL="2057400" indent="-228600" algn="l" rtl="0" fontAlgn="base">
+              <a:lnSpc>
+                <a:spcPct val="90000"/>
+              </a:lnSpc>
+              <a:spcBef>
+                <a:spcPts val="500"/>
+              </a:spcBef>
+              <a:spcAft>
+                <a:spcPct val="0"/>
+              </a:spcAft>
+              <a:buFont typeface="Arial" panose="020B0604020202020204" pitchFamily="34" charset="0"/>
+              <a:buChar char="•"/>
+              <a:defRPr kern="1200">
+                <a:solidFill>
+                  <a:schemeClr val="tx1"/>
+                </a:solidFill>
+                <a:latin typeface="+mn-lt"/>
+                <a:ea typeface="+mn-ea"/>
+                <a:cs typeface="+mn-cs"/>
+              </a:defRPr>
+            </a:lvl5pPr>
+            <a:lvl6pPr marL="2514600" indent="-228600" algn="l" defTabSz="914400" rtl="0" eaLnBrk="1" latinLnBrk="0" hangingPunct="1">
+              <a:lnSpc>
+                <a:spcPct val="90000"/>
+              </a:lnSpc>
+              <a:spcBef>
+                <a:spcPts val="500"/>
+              </a:spcBef>
+              <a:buFont typeface="Arial" panose="020B0604020202020204" pitchFamily="34" charset="0"/>
+              <a:buChar char="•"/>
+              <a:defRPr sz="1800" kern="1200">
+                <a:solidFill>
+                  <a:schemeClr val="tx1"/>
+                </a:solidFill>
+                <a:latin typeface="+mn-lt"/>
+                <a:ea typeface="+mn-ea"/>
+                <a:cs typeface="+mn-cs"/>
+              </a:defRPr>
+            </a:lvl6pPr>
+            <a:lvl7pPr marL="2971800" indent="-228600" algn="l" defTabSz="914400" rtl="0" eaLnBrk="1" latinLnBrk="0" hangingPunct="1">
+              <a:lnSpc>
+                <a:spcPct val="90000"/>
+              </a:lnSpc>
+              <a:spcBef>
+                <a:spcPts val="500"/>
+              </a:spcBef>
+              <a:buFont typeface="Arial" panose="020B0604020202020204" pitchFamily="34" charset="0"/>
+              <a:buChar char="•"/>
+              <a:defRPr sz="1800" kern="1200">
+                <a:solidFill>
+                  <a:schemeClr val="tx1"/>
+                </a:solidFill>
+                <a:latin typeface="+mn-lt"/>
+                <a:ea typeface="+mn-ea"/>
+                <a:cs typeface="+mn-cs"/>
+              </a:defRPr>
+            </a:lvl7pPr>
+            <a:lvl8pPr marL="3429000" indent="-228600" algn="l" defTabSz="914400" rtl="0" eaLnBrk="1" latinLnBrk="0" hangingPunct="1">
+              <a:lnSpc>
+                <a:spcPct val="90000"/>
+              </a:lnSpc>
+              <a:spcBef>
+                <a:spcPts val="500"/>
+              </a:spcBef>
+              <a:buFont typeface="Arial" panose="020B0604020202020204" pitchFamily="34" charset="0"/>
+              <a:buChar char="•"/>
+              <a:defRPr sz="1800" kern="1200">
+                <a:solidFill>
+                  <a:schemeClr val="tx1"/>
+                </a:solidFill>
+                <a:latin typeface="+mn-lt"/>
+                <a:ea typeface="+mn-ea"/>
+                <a:cs typeface="+mn-cs"/>
+              </a:defRPr>
+            </a:lvl8pPr>
+            <a:lvl9pPr marL="3886200" indent="-228600" algn="l" defTabSz="914400" rtl="0" eaLnBrk="1" latinLnBrk="0" hangingPunct="1">
+              <a:lnSpc>
+                <a:spcPct val="90000"/>
+              </a:lnSpc>
+              <a:spcBef>
+                <a:spcPts val="500"/>
+              </a:spcBef>
+              <a:buFont typeface="Arial" panose="020B0604020202020204" pitchFamily="34" charset="0"/>
+              <a:buChar char="•"/>
+              <a:defRPr sz="1800" kern="1200">
+                <a:solidFill>
+                  <a:schemeClr val="tx1"/>
+                </a:solidFill>
+                <a:latin typeface="+mn-lt"/>
+                <a:ea typeface="+mn-ea"/>
+                <a:cs typeface="+mn-cs"/>
+              </a:defRPr>
+            </a:lvl9pPr>
+          </a:lstStyle>
+          <a:p>
+            <a:pPr eaLnBrk="1" hangingPunct="1"/>
+            <a:r>
+              <a:rPr lang="ru-RU" dirty="0"/>
+              <a:t>Переобучить генератор: тогда никакой дискриминатор не справится</a:t>
+            </a:r>
+          </a:p>
+          <a:p>
+            <a:pPr lvl="1" eaLnBrk="1" hangingPunct="1"/>
+            <a:r>
+              <a:rPr lang="ru-RU" dirty="0"/>
+              <a:t>Но это неприемлемо!</a:t>
+            </a:r>
+            <a:endParaRPr lang="en-US" dirty="0"/>
+          </a:p>
+          <a:p>
+            <a:pPr eaLnBrk="1" hangingPunct="1"/>
+            <a:r>
+              <a:rPr lang="ru-RU" dirty="0"/>
+              <a:t>Борьба с переобучением</a:t>
+            </a:r>
+            <a:endParaRPr lang="en-US" dirty="0"/>
+          </a:p>
+          <a:p>
+            <a:pPr lvl="1" eaLnBrk="1" hangingPunct="1">
+              <a:buFont typeface="Wingdings" panose="05000000000000000000" pitchFamily="2" charset="2"/>
+              <a:buChar char="ü"/>
+            </a:pPr>
+            <a:r>
+              <a:rPr lang="en-US" dirty="0"/>
+              <a:t>Dropout techniques</a:t>
+            </a:r>
+          </a:p>
+          <a:p>
+            <a:pPr lvl="1" eaLnBrk="1" hangingPunct="1">
+              <a:buFont typeface="Wingdings" panose="05000000000000000000" pitchFamily="2" charset="2"/>
+              <a:buChar char="ü"/>
+            </a:pPr>
+            <a:r>
+              <a:rPr lang="ru-RU" dirty="0"/>
+              <a:t>Зашумление </a:t>
+            </a:r>
+            <a:r>
+              <a:rPr lang="en-US" dirty="0"/>
+              <a:t>loss</a:t>
+            </a:r>
+          </a:p>
+          <a:p>
+            <a:pPr lvl="1" eaLnBrk="1" hangingPunct="1">
+              <a:buFont typeface="Wingdings" panose="05000000000000000000" pitchFamily="2" charset="2"/>
+              <a:buChar char="ü"/>
+            </a:pPr>
+            <a:r>
+              <a:rPr lang="ru-RU" dirty="0"/>
+              <a:t>Регуляризация градиента</a:t>
+            </a:r>
+          </a:p>
+          <a:p>
+            <a:pPr eaLnBrk="1" hangingPunct="1"/>
+            <a:r>
+              <a:rPr lang="ru-RU" dirty="0"/>
+              <a:t>Борьба с «вымиранием градиента»</a:t>
+            </a:r>
+          </a:p>
+          <a:p>
+            <a:pPr eaLnBrk="1" hangingPunct="1"/>
+            <a:r>
+              <a:rPr lang="ru-RU" dirty="0"/>
+              <a:t>Имитирование атак во время обучения</a:t>
+            </a:r>
+          </a:p>
+          <a:p>
+            <a:pPr lvl="1" eaLnBrk="1" hangingPunct="1">
+              <a:buFont typeface="Wingdings" panose="05000000000000000000" pitchFamily="2" charset="2"/>
+              <a:buChar char="ü"/>
+            </a:pPr>
+            <a:endParaRPr lang="ru-RU" dirty="0"/>
+          </a:p>
+        </p:txBody>
+      </p:sp>
+    </p:spTree>
+    <p:extLst>
+      <p:ext uri="{BB962C8B-B14F-4D97-AF65-F5344CB8AC3E}">
+        <p14:creationId xmlns:p14="http://schemas.microsoft.com/office/powerpoint/2010/main" val="863125381"/>
+      </p:ext>
+    </p:extLst>
+  </p:cSld>
+  <p:clrMapOvr>
+    <a:masterClrMapping/>
+  </p:clrMapOvr>
+</p:sld>
+</file>
+
+<file path=ppt/slides/slide11.xml><?xml version="1.0" encoding="utf-8"?>
+<p:sld xmlns:a="http://schemas.openxmlformats.org/drawingml/2006/main" xmlns:r="http://schemas.openxmlformats.org/officeDocument/2006/relationships" xmlns:p="http://schemas.openxmlformats.org/presentationml/2006/main">
+  <p:cSld>
+    <p:bg>
+      <p:bgPr>
+        <a:blipFill dpi="0" rotWithShape="0">
+          <a:blip r:embed="rId2"/>
+          <a:srcRect/>
+          <a:stretch>
+            <a:fillRect/>
+          </a:stretch>
+        </a:blipFill>
+        <a:effectLst/>
+      </p:bgPr>
+    </p:bg>
+    <p:spTree>
+      <p:nvGrpSpPr>
+        <p:cNvPr id="1" name=""/>
+        <p:cNvGrpSpPr/>
+        <p:nvPr/>
+      </p:nvGrpSpPr>
+      <p:grpSpPr>
+        <a:xfrm>
+          <a:off x="0" y="0"/>
+          <a:ext cx="0" cy="0"/>
+          <a:chOff x="0" y="0"/>
+          <a:chExt cx="0" cy="0"/>
+        </a:xfrm>
+      </p:grpSpPr>
+      <p:sp>
+        <p:nvSpPr>
+          <p:cNvPr id="2" name="Заголовок 1">
+            <a:extLst>
+              <a:ext uri="{FF2B5EF4-FFF2-40B4-BE49-F238E27FC236}">
+                <a16:creationId xmlns:a16="http://schemas.microsoft.com/office/drawing/2014/main" id="{682695CA-3534-4D7F-9426-DFDCEAC4A30E}"/>
+              </a:ext>
+            </a:extLst>
+          </p:cNvPr>
+          <p:cNvSpPr txBox="1">
+            <a:spLocks/>
+          </p:cNvSpPr>
+          <p:nvPr/>
+        </p:nvSpPr>
+        <p:spPr>
+          <a:xfrm>
+            <a:off x="3145872" y="365125"/>
+            <a:ext cx="8207928" cy="1325563"/>
+          </a:xfrm>
+          <a:prstGeom prst="rect">
+            <a:avLst/>
+          </a:prstGeom>
+        </p:spPr>
+        <p:txBody>
+          <a:bodyPr/>
+          <a:lstStyle>
+            <a:lvl1pPr algn="l" rtl="0" fontAlgn="base">
+              <a:lnSpc>
+                <a:spcPct val="90000"/>
+              </a:lnSpc>
+              <a:spcBef>
+                <a:spcPct val="0"/>
+              </a:spcBef>
+              <a:spcAft>
+                <a:spcPct val="0"/>
+              </a:spcAft>
+              <a:defRPr sz="4400" kern="1200">
+                <a:solidFill>
+                  <a:schemeClr val="tx1"/>
+                </a:solidFill>
+                <a:latin typeface="+mj-lt"/>
+                <a:ea typeface="+mj-ea"/>
+                <a:cs typeface="+mj-cs"/>
+              </a:defRPr>
+            </a:lvl1pPr>
+            <a:lvl2pPr algn="l" rtl="0" fontAlgn="base">
+              <a:lnSpc>
+                <a:spcPct val="90000"/>
+              </a:lnSpc>
+              <a:spcBef>
+                <a:spcPct val="0"/>
+              </a:spcBef>
+              <a:spcAft>
+                <a:spcPct val="0"/>
+              </a:spcAft>
+              <a:defRPr sz="4400">
+                <a:solidFill>
+                  <a:schemeClr val="tx1"/>
+                </a:solidFill>
+                <a:latin typeface="Calibri Light" panose="020F0302020204030204" pitchFamily="34" charset="0"/>
+              </a:defRPr>
+            </a:lvl2pPr>
+            <a:lvl3pPr algn="l" rtl="0" fontAlgn="base">
+              <a:lnSpc>
+                <a:spcPct val="90000"/>
+              </a:lnSpc>
+              <a:spcBef>
+                <a:spcPct val="0"/>
+              </a:spcBef>
+              <a:spcAft>
+                <a:spcPct val="0"/>
+              </a:spcAft>
+              <a:defRPr sz="4400">
+                <a:solidFill>
+                  <a:schemeClr val="tx1"/>
+                </a:solidFill>
+                <a:latin typeface="Calibri Light" panose="020F0302020204030204" pitchFamily="34" charset="0"/>
+              </a:defRPr>
+            </a:lvl3pPr>
+            <a:lvl4pPr algn="l" rtl="0" fontAlgn="base">
+              <a:lnSpc>
+                <a:spcPct val="90000"/>
+              </a:lnSpc>
+              <a:spcBef>
+                <a:spcPct val="0"/>
+              </a:spcBef>
+              <a:spcAft>
+                <a:spcPct val="0"/>
+              </a:spcAft>
+              <a:defRPr sz="4400">
+                <a:solidFill>
+                  <a:schemeClr val="tx1"/>
+                </a:solidFill>
+                <a:latin typeface="Calibri Light" panose="020F0302020204030204" pitchFamily="34" charset="0"/>
+              </a:defRPr>
+            </a:lvl4pPr>
+            <a:lvl5pPr algn="l" rtl="0" fontAlgn="base">
+              <a:lnSpc>
+                <a:spcPct val="90000"/>
+              </a:lnSpc>
+              <a:spcBef>
+                <a:spcPct val="0"/>
+              </a:spcBef>
+              <a:spcAft>
+                <a:spcPct val="0"/>
+              </a:spcAft>
+              <a:defRPr sz="4400">
+                <a:solidFill>
+                  <a:schemeClr val="tx1"/>
+                </a:solidFill>
+                <a:latin typeface="Calibri Light" panose="020F0302020204030204" pitchFamily="34" charset="0"/>
+              </a:defRPr>
+            </a:lvl5pPr>
+            <a:lvl6pPr marL="457200" algn="l" rtl="0" fontAlgn="base">
+              <a:lnSpc>
+                <a:spcPct val="90000"/>
+              </a:lnSpc>
+              <a:spcBef>
+                <a:spcPct val="0"/>
+              </a:spcBef>
+              <a:spcAft>
+                <a:spcPct val="0"/>
+              </a:spcAft>
+              <a:defRPr sz="4400">
+                <a:solidFill>
+                  <a:schemeClr val="tx1"/>
+                </a:solidFill>
+                <a:latin typeface="Calibri Light" panose="020F0302020204030204" pitchFamily="34" charset="0"/>
+              </a:defRPr>
+            </a:lvl6pPr>
+            <a:lvl7pPr marL="914400" algn="l" rtl="0" fontAlgn="base">
+              <a:lnSpc>
+                <a:spcPct val="90000"/>
+              </a:lnSpc>
+              <a:spcBef>
+                <a:spcPct val="0"/>
+              </a:spcBef>
+              <a:spcAft>
+                <a:spcPct val="0"/>
+              </a:spcAft>
+              <a:defRPr sz="4400">
+                <a:solidFill>
+                  <a:schemeClr val="tx1"/>
+                </a:solidFill>
+                <a:latin typeface="Calibri Light" panose="020F0302020204030204" pitchFamily="34" charset="0"/>
+              </a:defRPr>
+            </a:lvl7pPr>
+            <a:lvl8pPr marL="1371600" algn="l" rtl="0" fontAlgn="base">
+              <a:lnSpc>
+                <a:spcPct val="90000"/>
+              </a:lnSpc>
+              <a:spcBef>
+                <a:spcPct val="0"/>
+              </a:spcBef>
+              <a:spcAft>
+                <a:spcPct val="0"/>
+              </a:spcAft>
+              <a:defRPr sz="4400">
+                <a:solidFill>
+                  <a:schemeClr val="tx1"/>
+                </a:solidFill>
+                <a:latin typeface="Calibri Light" panose="020F0302020204030204" pitchFamily="34" charset="0"/>
+              </a:defRPr>
+            </a:lvl8pPr>
+            <a:lvl9pPr marL="1828800" algn="l" rtl="0" fontAlgn="base">
+              <a:lnSpc>
+                <a:spcPct val="90000"/>
+              </a:lnSpc>
+              <a:spcBef>
+                <a:spcPct val="0"/>
+              </a:spcBef>
+              <a:spcAft>
+                <a:spcPct val="0"/>
+              </a:spcAft>
+              <a:defRPr sz="4400">
+                <a:solidFill>
+                  <a:schemeClr val="tx1"/>
+                </a:solidFill>
+                <a:latin typeface="Calibri Light" panose="020F0302020204030204" pitchFamily="34" charset="0"/>
+              </a:defRPr>
+            </a:lvl9pPr>
+          </a:lstStyle>
+          <a:p>
+            <a:pPr eaLnBrk="1" hangingPunct="1"/>
+            <a:r>
+              <a:rPr lang="ru-RU"/>
+              <a:t>Как противостоять </a:t>
+            </a:r>
+            <a:r>
+              <a:rPr lang="en-US"/>
+              <a:t>black-box?</a:t>
+            </a:r>
+            <a:endParaRPr lang="ru-RU" dirty="0"/>
+          </a:p>
+        </p:txBody>
+      </p:sp>
+      <p:sp>
+        <p:nvSpPr>
+          <p:cNvPr id="3" name="Объект 2">
+            <a:extLst>
+              <a:ext uri="{FF2B5EF4-FFF2-40B4-BE49-F238E27FC236}">
+                <a16:creationId xmlns:a16="http://schemas.microsoft.com/office/drawing/2014/main" id="{25C9025F-EA06-44B3-96D0-E74CD029729D}"/>
+              </a:ext>
+            </a:extLst>
+          </p:cNvPr>
+          <p:cNvSpPr txBox="1">
+            <a:spLocks/>
+          </p:cNvSpPr>
+          <p:nvPr/>
+        </p:nvSpPr>
+        <p:spPr>
+          <a:xfrm>
+            <a:off x="838200" y="1825625"/>
+            <a:ext cx="10515600" cy="4351338"/>
+          </a:xfrm>
+          <a:prstGeom prst="rect">
+            <a:avLst/>
+          </a:prstGeom>
+        </p:spPr>
+        <p:txBody>
+          <a:bodyPr/>
+          <a:lstStyle>
+            <a:lvl1pPr marL="228600" indent="-228600" algn="l" rtl="0" fontAlgn="base">
+              <a:lnSpc>
+                <a:spcPct val="90000"/>
+              </a:lnSpc>
+              <a:spcBef>
+                <a:spcPts val="1000"/>
+              </a:spcBef>
+              <a:spcAft>
+                <a:spcPct val="0"/>
+              </a:spcAft>
+              <a:buFont typeface="Arial" panose="020B0604020202020204" pitchFamily="34" charset="0"/>
+              <a:buChar char="•"/>
+              <a:defRPr sz="2800" kern="1200">
+                <a:solidFill>
+                  <a:schemeClr val="tx1"/>
+                </a:solidFill>
+                <a:latin typeface="+mn-lt"/>
+                <a:ea typeface="+mn-ea"/>
+                <a:cs typeface="+mn-cs"/>
+              </a:defRPr>
+            </a:lvl1pPr>
+            <a:lvl2pPr marL="685800" indent="-228600" algn="l" rtl="0" fontAlgn="base">
+              <a:lnSpc>
+                <a:spcPct val="90000"/>
+              </a:lnSpc>
+              <a:spcBef>
+                <a:spcPts val="500"/>
+              </a:spcBef>
+              <a:spcAft>
+                <a:spcPct val="0"/>
+              </a:spcAft>
+              <a:buFont typeface="Arial" panose="020B0604020202020204" pitchFamily="34" charset="0"/>
+              <a:buChar char="•"/>
+              <a:defRPr sz="2400" kern="1200">
+                <a:solidFill>
+                  <a:schemeClr val="tx1"/>
+                </a:solidFill>
+                <a:latin typeface="+mn-lt"/>
+                <a:ea typeface="+mn-ea"/>
+                <a:cs typeface="+mn-cs"/>
+              </a:defRPr>
+            </a:lvl2pPr>
+            <a:lvl3pPr marL="1143000" indent="-228600" algn="l" rtl="0" fontAlgn="base">
+              <a:lnSpc>
+                <a:spcPct val="90000"/>
+              </a:lnSpc>
+              <a:spcBef>
+                <a:spcPts val="500"/>
+              </a:spcBef>
+              <a:spcAft>
+                <a:spcPct val="0"/>
+              </a:spcAft>
+              <a:buFont typeface="Arial" panose="020B0604020202020204" pitchFamily="34" charset="0"/>
+              <a:buChar char="•"/>
+              <a:defRPr sz="2000" kern="1200">
+                <a:solidFill>
+                  <a:schemeClr val="tx1"/>
+                </a:solidFill>
+                <a:latin typeface="+mn-lt"/>
+                <a:ea typeface="+mn-ea"/>
+                <a:cs typeface="+mn-cs"/>
+              </a:defRPr>
+            </a:lvl3pPr>
+            <a:lvl4pPr marL="1600200" indent="-228600" algn="l" rtl="0" fontAlgn="base">
+              <a:lnSpc>
+                <a:spcPct val="90000"/>
+              </a:lnSpc>
+              <a:spcBef>
+                <a:spcPts val="500"/>
+              </a:spcBef>
+              <a:spcAft>
+                <a:spcPct val="0"/>
+              </a:spcAft>
+              <a:buFont typeface="Arial" panose="020B0604020202020204" pitchFamily="34" charset="0"/>
+              <a:buChar char="•"/>
+              <a:defRPr kern="1200">
+                <a:solidFill>
+                  <a:schemeClr val="tx1"/>
+                </a:solidFill>
+                <a:latin typeface="+mn-lt"/>
+                <a:ea typeface="+mn-ea"/>
+                <a:cs typeface="+mn-cs"/>
+              </a:defRPr>
+            </a:lvl4pPr>
+            <a:lvl5pPr marL="2057400" indent="-228600" algn="l" rtl="0" fontAlgn="base">
+              <a:lnSpc>
+                <a:spcPct val="90000"/>
+              </a:lnSpc>
+              <a:spcBef>
+                <a:spcPts val="500"/>
+              </a:spcBef>
+              <a:spcAft>
+                <a:spcPct val="0"/>
+              </a:spcAft>
+              <a:buFont typeface="Arial" panose="020B0604020202020204" pitchFamily="34" charset="0"/>
+              <a:buChar char="•"/>
+              <a:defRPr kern="1200">
+                <a:solidFill>
+                  <a:schemeClr val="tx1"/>
+                </a:solidFill>
+                <a:latin typeface="+mn-lt"/>
+                <a:ea typeface="+mn-ea"/>
+                <a:cs typeface="+mn-cs"/>
+              </a:defRPr>
+            </a:lvl5pPr>
+            <a:lvl6pPr marL="2514600" indent="-228600" algn="l" defTabSz="914400" rtl="0" eaLnBrk="1" latinLnBrk="0" hangingPunct="1">
+              <a:lnSpc>
+                <a:spcPct val="90000"/>
+              </a:lnSpc>
+              <a:spcBef>
+                <a:spcPts val="500"/>
+              </a:spcBef>
+              <a:buFont typeface="Arial" panose="020B0604020202020204" pitchFamily="34" charset="0"/>
+              <a:buChar char="•"/>
+              <a:defRPr sz="1800" kern="1200">
+                <a:solidFill>
+                  <a:schemeClr val="tx1"/>
+                </a:solidFill>
+                <a:latin typeface="+mn-lt"/>
+                <a:ea typeface="+mn-ea"/>
+                <a:cs typeface="+mn-cs"/>
+              </a:defRPr>
+            </a:lvl6pPr>
+            <a:lvl7pPr marL="2971800" indent="-228600" algn="l" defTabSz="914400" rtl="0" eaLnBrk="1" latinLnBrk="0" hangingPunct="1">
+              <a:lnSpc>
+                <a:spcPct val="90000"/>
+              </a:lnSpc>
+              <a:spcBef>
+                <a:spcPts val="500"/>
+              </a:spcBef>
+              <a:buFont typeface="Arial" panose="020B0604020202020204" pitchFamily="34" charset="0"/>
+              <a:buChar char="•"/>
+              <a:defRPr sz="1800" kern="1200">
+                <a:solidFill>
+                  <a:schemeClr val="tx1"/>
+                </a:solidFill>
+                <a:latin typeface="+mn-lt"/>
+                <a:ea typeface="+mn-ea"/>
+                <a:cs typeface="+mn-cs"/>
+              </a:defRPr>
+            </a:lvl7pPr>
+            <a:lvl8pPr marL="3429000" indent="-228600" algn="l" defTabSz="914400" rtl="0" eaLnBrk="1" latinLnBrk="0" hangingPunct="1">
+              <a:lnSpc>
+                <a:spcPct val="90000"/>
+              </a:lnSpc>
+              <a:spcBef>
+                <a:spcPts val="500"/>
+              </a:spcBef>
+              <a:buFont typeface="Arial" panose="020B0604020202020204" pitchFamily="34" charset="0"/>
+              <a:buChar char="•"/>
+              <a:defRPr sz="1800" kern="1200">
+                <a:solidFill>
+                  <a:schemeClr val="tx1"/>
+                </a:solidFill>
+                <a:latin typeface="+mn-lt"/>
+                <a:ea typeface="+mn-ea"/>
+                <a:cs typeface="+mn-cs"/>
+              </a:defRPr>
+            </a:lvl8pPr>
+            <a:lvl9pPr marL="3886200" indent="-228600" algn="l" defTabSz="914400" rtl="0" eaLnBrk="1" latinLnBrk="0" hangingPunct="1">
+              <a:lnSpc>
+                <a:spcPct val="90000"/>
+              </a:lnSpc>
+              <a:spcBef>
+                <a:spcPts val="500"/>
+              </a:spcBef>
+              <a:buFont typeface="Arial" panose="020B0604020202020204" pitchFamily="34" charset="0"/>
+              <a:buChar char="•"/>
+              <a:defRPr sz="1800" kern="1200">
+                <a:solidFill>
+                  <a:schemeClr val="tx1"/>
+                </a:solidFill>
+                <a:latin typeface="+mn-lt"/>
+                <a:ea typeface="+mn-ea"/>
+                <a:cs typeface="+mn-cs"/>
+              </a:defRPr>
+            </a:lvl9pPr>
+          </a:lstStyle>
+          <a:p>
+            <a:pPr eaLnBrk="1" hangingPunct="1"/>
+            <a:r>
+              <a:rPr lang="ru-RU" b="1"/>
+              <a:t>Задача</a:t>
+            </a:r>
+            <a:r>
+              <a:rPr lang="ru-RU"/>
+              <a:t>. Разработчик хочет избежать </a:t>
+            </a:r>
+            <a:r>
+              <a:rPr lang="en-US"/>
+              <a:t>black-box </a:t>
+            </a:r>
+            <a:r>
+              <a:rPr lang="ru-RU"/>
+              <a:t>атаки. Что делать?</a:t>
+            </a:r>
+          </a:p>
+          <a:p>
+            <a:pPr eaLnBrk="1" hangingPunct="1"/>
+            <a:r>
+              <a:rPr lang="ru-RU" b="1"/>
+              <a:t>Идея</a:t>
+            </a:r>
+            <a:r>
+              <a:rPr lang="ru-RU"/>
+              <a:t>. Сымитировать её у себя.</a:t>
+            </a:r>
+          </a:p>
+          <a:p>
+            <a:pPr eaLnBrk="1" hangingPunct="1"/>
+            <a:r>
+              <a:rPr lang="ru-RU" b="1"/>
+              <a:t>Метод:</a:t>
+            </a:r>
+          </a:p>
+          <a:p>
+            <a:pPr marL="971550" lvl="1" indent="-514350" eaLnBrk="1" hangingPunct="1">
+              <a:buFont typeface="+mj-lt"/>
+              <a:buAutoNum type="arabicPeriod"/>
+            </a:pPr>
+            <a:r>
+              <a:rPr lang="ru-RU"/>
+              <a:t>Обучить </a:t>
+            </a:r>
+            <a:r>
+              <a:rPr lang="en-US"/>
+              <a:t>GAN</a:t>
+            </a:r>
+          </a:p>
+          <a:p>
+            <a:pPr marL="971550" lvl="1" indent="-514350" eaLnBrk="1" hangingPunct="1">
+              <a:buFont typeface="+mj-lt"/>
+              <a:buAutoNum type="arabicPeriod"/>
+            </a:pPr>
+            <a:r>
+              <a:rPr lang="ru-RU"/>
+              <a:t>Удалить дискриминатор и обучить новый вместо имевшегося.</a:t>
+            </a:r>
+          </a:p>
+          <a:p>
+            <a:pPr marL="971550" lvl="1" indent="-514350" eaLnBrk="1" hangingPunct="1">
+              <a:buFont typeface="+mj-lt"/>
+              <a:buAutoNum type="arabicPeriod"/>
+            </a:pPr>
+            <a:r>
+              <a:rPr lang="ru-RU"/>
+              <a:t>Доучить генератор с новым дискриминатором.</a:t>
+            </a:r>
+          </a:p>
+          <a:p>
+            <a:pPr marL="971550" lvl="1" indent="-514350" eaLnBrk="1" hangingPunct="1">
+              <a:buFont typeface="+mj-lt"/>
+              <a:buAutoNum type="arabicPeriod"/>
+            </a:pPr>
+            <a:r>
+              <a:rPr lang="ru-RU"/>
+              <a:t>Повторить несколько раз (пяти хватит).</a:t>
+            </a:r>
+          </a:p>
+          <a:p>
+            <a:pPr eaLnBrk="1" hangingPunct="1"/>
+            <a:r>
+              <a:rPr lang="ru-RU" b="1"/>
+              <a:t>Результат</a:t>
+            </a:r>
+            <a:r>
+              <a:rPr lang="ru-RU"/>
+              <a:t>. С натренированным генератором </a:t>
+            </a:r>
+            <a:r>
+              <a:rPr lang="en-US"/>
+              <a:t>black-box attack </a:t>
+            </a:r>
+            <a:r>
+              <a:rPr lang="ru-RU"/>
+              <a:t>не работает.</a:t>
+            </a:r>
+            <a:endParaRPr lang="ru-RU" dirty="0"/>
+          </a:p>
+        </p:txBody>
+      </p:sp>
+    </p:spTree>
+    <p:extLst>
+      <p:ext uri="{BB962C8B-B14F-4D97-AF65-F5344CB8AC3E}">
+        <p14:creationId xmlns:p14="http://schemas.microsoft.com/office/powerpoint/2010/main" val="4184105705"/>
+      </p:ext>
+    </p:extLst>
+  </p:cSld>
+  <p:clrMapOvr>
+    <a:masterClrMapping/>
+  </p:clrMapOvr>
+</p:sld>
+</file>
+
+<file path=ppt/slides/slide12.xml><?xml version="1.0" encoding="utf-8"?>
+<p:sld xmlns:a="http://schemas.openxmlformats.org/drawingml/2006/main" xmlns:r="http://schemas.openxmlformats.org/officeDocument/2006/relationships" xmlns:p="http://schemas.openxmlformats.org/presentationml/2006/main">
+  <p:cSld>
+    <p:bg>
+      <p:bgPr>
+        <a:blipFill dpi="0" rotWithShape="0">
+          <a:blip r:embed="rId2"/>
+          <a:srcRect/>
+          <a:stretch>
+            <a:fillRect/>
+          </a:stretch>
+        </a:blipFill>
+        <a:effectLst/>
+      </p:bgPr>
+    </p:bg>
+    <p:spTree>
+      <p:nvGrpSpPr>
+        <p:cNvPr id="1" name=""/>
+        <p:cNvGrpSpPr/>
+        <p:nvPr/>
+      </p:nvGrpSpPr>
+      <p:grpSpPr>
+        <a:xfrm>
+          <a:off x="0" y="0"/>
+          <a:ext cx="0" cy="0"/>
+          <a:chOff x="0" y="0"/>
+          <a:chExt cx="0" cy="0"/>
+        </a:xfrm>
+      </p:grpSpPr>
+    </p:spTree>
+    <p:extLst>
+      <p:ext uri="{BB962C8B-B14F-4D97-AF65-F5344CB8AC3E}">
+        <p14:creationId xmlns:p14="http://schemas.microsoft.com/office/powerpoint/2010/main" val="869803893"/>
+      </p:ext>
+    </p:extLst>
+  </p:cSld>
+  <p:clrMapOvr>
+    <a:masterClrMapping/>
+  </p:clrMapOvr>
+</p:sld>
+</file>
+
+<file path=ppt/slides/slide13.xml><?xml version="1.0" encoding="utf-8"?>
+<p:sld xmlns:a="http://schemas.openxmlformats.org/drawingml/2006/main" xmlns:r="http://schemas.openxmlformats.org/officeDocument/2006/relationships" xmlns:p="http://schemas.openxmlformats.org/presentationml/2006/main">
+  <p:cSld>
+    <p:bg>
+      <p:bgPr>
+        <a:blipFill dpi="0" rotWithShape="0">
+          <a:blip r:embed="rId2"/>
+          <a:srcRect/>
+          <a:stretch>
+            <a:fillRect/>
+          </a:stretch>
+        </a:blipFill>
+        <a:effectLst/>
+      </p:bgPr>
+    </p:bg>
+    <p:spTree>
+      <p:nvGrpSpPr>
+        <p:cNvPr id="1" name=""/>
+        <p:cNvGrpSpPr/>
+        <p:nvPr/>
+      </p:nvGrpSpPr>
+      <p:grpSpPr>
+        <a:xfrm>
+          <a:off x="0" y="0"/>
+          <a:ext cx="0" cy="0"/>
+          <a:chOff x="0" y="0"/>
+          <a:chExt cx="0" cy="0"/>
+        </a:xfrm>
+      </p:grpSpPr>
+    </p:spTree>
+    <p:extLst>
+      <p:ext uri="{BB962C8B-B14F-4D97-AF65-F5344CB8AC3E}">
+        <p14:creationId xmlns:p14="http://schemas.microsoft.com/office/powerpoint/2010/main" val="1122914730"/>
+      </p:ext>
+    </p:extLst>
+  </p:cSld>
+  <p:clrMapOvr>
+    <a:masterClrMapping/>
+  </p:clrMapOvr>
+</p:sld>
+</file>
+
+<file path=ppt/slides/slide14.xml><?xml version="1.0" encoding="utf-8"?>
+<p:sld xmlns:a="http://schemas.openxmlformats.org/drawingml/2006/main" xmlns:r="http://schemas.openxmlformats.org/officeDocument/2006/relationships" xmlns:p="http://schemas.openxmlformats.org/presentationml/2006/main">
+  <p:cSld>
+    <p:bg>
+      <p:bgPr>
+        <a:blipFill dpi="0" rotWithShape="0">
+          <a:blip r:embed="rId2"/>
+          <a:srcRect/>
+          <a:stretch>
+            <a:fillRect/>
+          </a:stretch>
+        </a:blipFill>
+        <a:effectLst/>
+      </p:bgPr>
+    </p:bg>
+    <p:spTree>
+      <p:nvGrpSpPr>
+        <p:cNvPr id="1" name=""/>
+        <p:cNvGrpSpPr/>
+        <p:nvPr/>
+      </p:nvGrpSpPr>
+      <p:grpSpPr>
+        <a:xfrm>
+          <a:off x="0" y="0"/>
+          <a:ext cx="0" cy="0"/>
+          <a:chOff x="0" y="0"/>
+          <a:chExt cx="0" cy="0"/>
+        </a:xfrm>
+      </p:grpSpPr>
+    </p:spTree>
+    <p:extLst>
+      <p:ext uri="{BB962C8B-B14F-4D97-AF65-F5344CB8AC3E}">
+        <p14:creationId xmlns:p14="http://schemas.microsoft.com/office/powerpoint/2010/main" val="2347618727"/>
+      </p:ext>
+    </p:extLst>
+  </p:cSld>
+  <p:clrMapOvr>
+    <a:masterClrMapping/>
+  </p:clrMapOvr>
+</p:sld>
+</file>
+
+<file path=ppt/slides/slide15.xml><?xml version="1.0" encoding="utf-8"?>
+<p:sld xmlns:a="http://schemas.openxmlformats.org/drawingml/2006/main" xmlns:r="http://schemas.openxmlformats.org/officeDocument/2006/relationships" xmlns:p="http://schemas.openxmlformats.org/presentationml/2006/main">
+  <p:cSld>
+    <p:bg>
+      <p:bgPr>
+        <a:blipFill dpi="0" rotWithShape="0">
+          <a:blip r:embed="rId2"/>
+          <a:srcRect/>
+          <a:stretch>
+            <a:fillRect/>
+          </a:stretch>
+        </a:blipFill>
+        <a:effectLst/>
+      </p:bgPr>
+    </p:bg>
+    <p:spTree>
+      <p:nvGrpSpPr>
+        <p:cNvPr id="1" name=""/>
+        <p:cNvGrpSpPr/>
+        <p:nvPr/>
+      </p:nvGrpSpPr>
+      <p:grpSpPr>
+        <a:xfrm>
+          <a:off x="0" y="0"/>
+          <a:ext cx="0" cy="0"/>
+          <a:chOff x="0" y="0"/>
+          <a:chExt cx="0" cy="0"/>
+        </a:xfrm>
+      </p:grpSpPr>
+    </p:spTree>
+    <p:extLst>
+      <p:ext uri="{BB962C8B-B14F-4D97-AF65-F5344CB8AC3E}">
+        <p14:creationId xmlns:p14="http://schemas.microsoft.com/office/powerpoint/2010/main" val="796531829"/>
+      </p:ext>
+    </p:extLst>
+  </p:cSld>
+  <p:clrMapOvr>
+    <a:masterClrMapping/>
+  </p:clrMapOvr>
+</p:sld>
+</file>
+
+<file path=ppt/slides/slide16.xml><?xml version="1.0" encoding="utf-8"?>
+<p:sld xmlns:a="http://schemas.openxmlformats.org/drawingml/2006/main" xmlns:r="http://schemas.openxmlformats.org/officeDocument/2006/relationships" xmlns:p="http://schemas.openxmlformats.org/presentationml/2006/main">
+  <p:cSld>
+    <p:bg>
+      <p:bgPr>
+        <a:blipFill dpi="0" rotWithShape="0">
+          <a:blip r:embed="rId2"/>
+          <a:srcRect/>
+          <a:stretch>
+            <a:fillRect/>
+          </a:stretch>
+        </a:blipFill>
+        <a:effectLst/>
+      </p:bgPr>
+    </p:bg>
+    <p:spTree>
+      <p:nvGrpSpPr>
+        <p:cNvPr id="1" name=""/>
+        <p:cNvGrpSpPr/>
+        <p:nvPr/>
+      </p:nvGrpSpPr>
+      <p:grpSpPr>
+        <a:xfrm>
+          <a:off x="0" y="0"/>
+          <a:ext cx="0" cy="0"/>
+          <a:chOff x="0" y="0"/>
+          <a:chExt cx="0" cy="0"/>
+        </a:xfrm>
+      </p:grpSpPr>
+    </p:spTree>
+    <p:extLst>
+      <p:ext uri="{BB962C8B-B14F-4D97-AF65-F5344CB8AC3E}">
+        <p14:creationId xmlns:p14="http://schemas.microsoft.com/office/powerpoint/2010/main" val="768317818"/>
+      </p:ext>
+    </p:extLst>
+  </p:cSld>
+  <p:clrMapOvr>
+    <a:masterClrMapping/>
+  </p:clrMapOvr>
+</p:sld>
+</file>
+
+<file path=ppt/slides/slide17.xml><?xml version="1.0" encoding="utf-8"?>
+<p:sld xmlns:a="http://schemas.openxmlformats.org/drawingml/2006/main" xmlns:r="http://schemas.openxmlformats.org/officeDocument/2006/relationships" xmlns:p="http://schemas.openxmlformats.org/presentationml/2006/main">
+  <p:cSld>
+    <p:bg>
+      <p:bgPr>
+        <a:blipFill dpi="0" rotWithShape="0">
+          <a:blip r:embed="rId2"/>
+          <a:srcRect/>
+          <a:stretch>
+            <a:fillRect/>
+          </a:stretch>
+        </a:blipFill>
+        <a:effectLst/>
+      </p:bgPr>
+    </p:bg>
+    <p:spTree>
+      <p:nvGrpSpPr>
+        <p:cNvPr id="1" name=""/>
+        <p:cNvGrpSpPr/>
+        <p:nvPr/>
+      </p:nvGrpSpPr>
+      <p:grpSpPr>
+        <a:xfrm>
+          <a:off x="0" y="0"/>
+          <a:ext cx="0" cy="0"/>
+          <a:chOff x="0" y="0"/>
+          <a:chExt cx="0" cy="0"/>
+        </a:xfrm>
+      </p:grpSpPr>
+    </p:spTree>
+    <p:extLst>
+      <p:ext uri="{BB962C8B-B14F-4D97-AF65-F5344CB8AC3E}">
+        <p14:creationId xmlns:p14="http://schemas.microsoft.com/office/powerpoint/2010/main" val="2293769312"/>
+      </p:ext>
+    </p:extLst>
+  </p:cSld>
+  <p:clrMapOvr>
+    <a:masterClrMapping/>
+  </p:clrMapOvr>
+</p:sld>
+</file>
+
+<file path=ppt/slides/slide18.xml><?xml version="1.0" encoding="utf-8"?>
+<p:sld xmlns:a="http://schemas.openxmlformats.org/drawingml/2006/main" xmlns:r="http://schemas.openxmlformats.org/officeDocument/2006/relationships" xmlns:p="http://schemas.openxmlformats.org/presentationml/2006/main">
+  <p:cSld>
+    <p:bg>
+      <p:bgPr>
+        <a:blipFill dpi="0" rotWithShape="0">
+          <a:blip r:embed="rId2"/>
+          <a:srcRect/>
+          <a:stretch>
+            <a:fillRect/>
+          </a:stretch>
+        </a:blipFill>
+        <a:effectLst/>
+      </p:bgPr>
+    </p:bg>
+    <p:spTree>
+      <p:nvGrpSpPr>
+        <p:cNvPr id="1" name=""/>
+        <p:cNvGrpSpPr/>
+        <p:nvPr/>
+      </p:nvGrpSpPr>
+      <p:grpSpPr>
+        <a:xfrm>
+          <a:off x="0" y="0"/>
+          <a:ext cx="0" cy="0"/>
+          <a:chOff x="0" y="0"/>
+          <a:chExt cx="0" cy="0"/>
+        </a:xfrm>
+      </p:grpSpPr>
     </p:spTree>
   </p:cSld>
   <p:clrMapOvr>
@@ -3816,7 +5178,7 @@
 </p:sld>
 </file>
 
-<file path=ppt/slides/slide11.xml><?xml version="1.0" encoding="utf-8"?>
+<file path=ppt/slides/slide19.xml><?xml version="1.0" encoding="utf-8"?>
 <p:sld xmlns:a="http://schemas.openxmlformats.org/drawingml/2006/main" xmlns:r="http://schemas.openxmlformats.org/officeDocument/2006/relationships" xmlns:p="http://schemas.openxmlformats.org/presentationml/2006/main">
   <p:cSld>
     <p:bg>
@@ -4063,7 +5425,23 @@
                   <a:schemeClr val="bg1"/>
                 </a:solidFill>
               </a:rPr>
-              <a:t>. Он сохранит ключевые </a:t>
+              <a:t>. Он сохранит </a:t>
+            </a:r>
+            <a:r>
+              <a:rPr lang="ru-RU" i="1" dirty="0">
+                <a:solidFill>
+                  <a:schemeClr val="bg1"/>
+                </a:solidFill>
+              </a:rPr>
+              <a:t>ключевые</a:t>
+            </a:r>
+            <a:r>
+              <a:rPr lang="ru-RU" dirty="0">
+                <a:solidFill>
+                  <a:schemeClr val="bg1"/>
+                </a:solidFill>
+              </a:rPr>
+              <a:t> </a:t>
             </a:r>
             <a:r>
               <a:rPr lang="ru-RU" i="1" dirty="0">
@@ -4145,8 +5523,37 @@
                   <a:schemeClr val="bg1"/>
                 </a:solidFill>
               </a:rPr>
-              <a:t>?</a:t>
-            </a:r>
+              <a:t>? А вдруг </a:t>
+            </a:r>
+            <a:r>
+              <a:rPr lang="en-US" dirty="0">
+                <a:solidFill>
+                  <a:schemeClr val="bg1"/>
+                </a:solidFill>
+              </a:rPr>
+              <a:t>GAN </a:t>
+            </a:r>
+            <a:r>
+              <a:rPr lang="ru-RU" dirty="0">
+                <a:solidFill>
+                  <a:schemeClr val="bg1"/>
+                </a:solidFill>
+              </a:rPr>
+              <a:t>запомнит </a:t>
+            </a:r>
+            <a:r>
+              <a:rPr lang="en-US" dirty="0">
+                <a:solidFill>
+                  <a:schemeClr val="bg1"/>
+                </a:solidFill>
+              </a:rPr>
+              <a:t>train set?</a:t>
+            </a:r>
+            <a:endParaRPr lang="ru-RU" dirty="0">
+              <a:solidFill>
+                <a:schemeClr val="bg1"/>
+              </a:solidFill>
+            </a:endParaRPr>
           </a:p>
         </p:txBody>
       </p:sp>
@@ -4389,10 +5796,10 @@
       </p:grpSpPr>
       <p:sp>
         <p:nvSpPr>
-          <p:cNvPr id="3" name="Заголовок 2">
+          <p:cNvPr id="2" name="Заголовок 1">
             <a:extLst>
               <a:ext uri="{FF2B5EF4-FFF2-40B4-BE49-F238E27FC236}">
-                <a16:creationId xmlns:a16="http://schemas.microsoft.com/office/drawing/2014/main" id="{04704B28-0A0D-4240-B6FB-F75469A52217}"/>
+                <a16:creationId xmlns:a16="http://schemas.microsoft.com/office/drawing/2014/main" id="{6D632E81-ADB2-4B34-99BA-8FD8A81C9907}"/>
               </a:ext>
             </a:extLst>
           </p:cNvPr>
@@ -4405,8 +5812,8 @@
         </p:nvSpPr>
         <p:spPr>
           <a:xfrm>
-            <a:off x="3238150" y="365125"/>
-            <a:ext cx="8115650" cy="1325563"/>
+            <a:off x="3204594" y="365125"/>
+            <a:ext cx="8149206" cy="1325563"/>
           </a:xfrm>
         </p:spPr>
         <p:txBody>
@@ -4415,62 +5822,25 @@
           <a:p>
             <a:r>
               <a:rPr lang="ru-RU" dirty="0"/>
-              <a:t>Обучение </a:t>
-            </a:r>
-            <a:r>
-              <a:rPr lang="en-US" dirty="0"/>
-              <a:t>GAN</a:t>
-            </a:r>
-            <a:endParaRPr lang="ru-RU" dirty="0"/>
-          </a:p>
-        </p:txBody>
-      </p:sp>
-      <p:pic>
-        <p:nvPicPr>
-          <p:cNvPr id="6" name="Объект 5">
+              <a:t>План работы </a:t>
+            </a:r>
+          </a:p>
+        </p:txBody>
+      </p:sp>
+      <p:sp>
+        <p:nvSpPr>
+          <p:cNvPr id="3" name="Объект 2">
             <a:extLst>
               <a:ext uri="{FF2B5EF4-FFF2-40B4-BE49-F238E27FC236}">
-                <a16:creationId xmlns:a16="http://schemas.microsoft.com/office/drawing/2014/main" id="{4E8F82FF-63E0-487D-B74A-76EAB34126F1}"/>
+                <a16:creationId xmlns:a16="http://schemas.microsoft.com/office/drawing/2014/main" id="{922ACB2D-D302-4A74-9645-E16A34F2BE15}"/>
               </a:ext>
             </a:extLst>
           </p:cNvPr>
-          <p:cNvPicPr>
-            <a:picLocks noGrp="1" noChangeAspect="1"/>
-          </p:cNvPicPr>
-          <p:nvPr>
-            <p:ph sz="half" idx="1"/>
-          </p:nvPr>
-        </p:nvPicPr>
-        <p:blipFill>
-          <a:blip r:embed="rId3"/>
-          <a:stretch>
-            <a:fillRect/>
-          </a:stretch>
-        </p:blipFill>
-        <p:spPr>
-          <a:xfrm>
-            <a:off x="1165247" y="1825625"/>
-            <a:ext cx="4527505" cy="4351338"/>
-          </a:xfrm>
-          <a:prstGeom prst="rect">
-            <a:avLst/>
-          </a:prstGeom>
-        </p:spPr>
-      </p:pic>
-      <p:sp>
-        <p:nvSpPr>
-          <p:cNvPr id="5" name="Объект 4">
-            <a:extLst>
-              <a:ext uri="{FF2B5EF4-FFF2-40B4-BE49-F238E27FC236}">
-                <a16:creationId xmlns:a16="http://schemas.microsoft.com/office/drawing/2014/main" id="{6EE37ECF-7EA6-4D2D-B667-D31851EB74BA}"/>
-              </a:ext>
-            </a:extLst>
-          </p:cNvPr>
-          <p:cNvSpPr>
-            <a:spLocks noGrp="1"/>
-          </p:cNvSpPr>
-          <p:nvPr>
-            <p:ph sz="half" idx="2"/>
+          <p:cNvSpPr>
+            <a:spLocks noGrp="1"/>
+          </p:cNvSpPr>
+          <p:nvPr>
+            <p:ph idx="1"/>
           </p:nvPr>
         </p:nvSpPr>
         <p:spPr/>
@@ -4480,131 +5850,63 @@
           <a:p>
             <a:r>
               <a:rPr lang="ru-RU" dirty="0"/>
-              <a:t>Обучение происходило на сервере ШАД </a:t>
-            </a:r>
-            <a:r>
-              <a:rPr lang="en-US" dirty="0" err="1"/>
-              <a:t>almaren</a:t>
-            </a:r>
-            <a:endParaRPr lang="en-US" dirty="0"/>
+              <a:t>Отбор </a:t>
+            </a:r>
+            <a:r>
+              <a:rPr lang="ru-RU" dirty="0" err="1"/>
+              <a:t>датасетов</a:t>
+            </a:r>
+            <a:endParaRPr lang="ru-RU" dirty="0"/>
           </a:p>
           <a:p>
             <a:r>
               <a:rPr lang="ru-RU" dirty="0"/>
-              <a:t>Сгенерированные цифры слева</a:t>
-            </a:r>
-          </a:p>
-        </p:txBody>
-      </p:sp>
-      <p:pic>
-        <p:nvPicPr>
-          <p:cNvPr id="8" name="Рисунок 7">
-            <a:extLst>
-              <a:ext uri="{FF2B5EF4-FFF2-40B4-BE49-F238E27FC236}">
-                <a16:creationId xmlns:a16="http://schemas.microsoft.com/office/drawing/2014/main" id="{25294944-D59E-4F9B-B656-238BAAE492E4}"/>
-              </a:ext>
-            </a:extLst>
-          </p:cNvPr>
-          <p:cNvPicPr>
-            <a:picLocks noChangeAspect="1"/>
-          </p:cNvPicPr>
-          <p:nvPr/>
-        </p:nvPicPr>
-        <p:blipFill>
-          <a:blip r:embed="rId4">
-            <a:extLst>
-              <a:ext uri="{28A0092B-C50C-407E-A947-70E740481C1C}">
-                <a14:useLocalDpi xmlns:a14="http://schemas.microsoft.com/office/drawing/2010/main" val="0"/>
-              </a:ext>
-            </a:extLst>
-          </a:blip>
-          <a:stretch>
-            <a:fillRect/>
-          </a:stretch>
-        </p:blipFill>
-        <p:spPr>
-          <a:xfrm>
-            <a:off x="6172200" y="3563224"/>
-            <a:ext cx="1437619" cy="1437619"/>
-          </a:xfrm>
-          <a:prstGeom prst="rect">
-            <a:avLst/>
-          </a:prstGeom>
-        </p:spPr>
-      </p:pic>
-      <p:pic>
-        <p:nvPicPr>
-          <p:cNvPr id="12" name="Рисунок 11">
-            <a:extLst>
-              <a:ext uri="{FF2B5EF4-FFF2-40B4-BE49-F238E27FC236}">
-                <a16:creationId xmlns:a16="http://schemas.microsoft.com/office/drawing/2014/main" id="{10F0AAE6-B877-470E-B5BF-071957D1FAFC}"/>
-              </a:ext>
-            </a:extLst>
-          </p:cNvPr>
-          <p:cNvPicPr>
-            <a:picLocks noChangeAspect="1"/>
-          </p:cNvPicPr>
-          <p:nvPr/>
-        </p:nvPicPr>
-        <p:blipFill>
-          <a:blip r:embed="rId5">
-            <a:extLst>
-              <a:ext uri="{28A0092B-C50C-407E-A947-70E740481C1C}">
-                <a14:useLocalDpi xmlns:a14="http://schemas.microsoft.com/office/drawing/2010/main" val="0"/>
-              </a:ext>
-            </a:extLst>
-          </a:blip>
-          <a:stretch>
-            <a:fillRect/>
-          </a:stretch>
-        </p:blipFill>
-        <p:spPr>
-          <a:xfrm>
-            <a:off x="7609819" y="4001209"/>
-            <a:ext cx="1332845" cy="999634"/>
-          </a:xfrm>
-          <a:prstGeom prst="rect">
-            <a:avLst/>
-          </a:prstGeom>
-        </p:spPr>
-      </p:pic>
-      <p:pic>
-        <p:nvPicPr>
-          <p:cNvPr id="14" name="Рисунок 13">
-            <a:extLst>
-              <a:ext uri="{FF2B5EF4-FFF2-40B4-BE49-F238E27FC236}">
-                <a16:creationId xmlns:a16="http://schemas.microsoft.com/office/drawing/2014/main" id="{BCE3FD91-8ABB-401C-BA3F-95B741B5F8A4}"/>
-              </a:ext>
-            </a:extLst>
-          </p:cNvPr>
-          <p:cNvPicPr>
-            <a:picLocks noChangeAspect="1"/>
-          </p:cNvPicPr>
-          <p:nvPr/>
-        </p:nvPicPr>
-        <p:blipFill>
-          <a:blip r:embed="rId6">
-            <a:extLst>
-              <a:ext uri="{28A0092B-C50C-407E-A947-70E740481C1C}">
-                <a14:useLocalDpi xmlns:a14="http://schemas.microsoft.com/office/drawing/2010/main" val="0"/>
-              </a:ext>
-            </a:extLst>
-          </a:blip>
-          <a:stretch>
-            <a:fillRect/>
-          </a:stretch>
-        </p:blipFill>
-        <p:spPr>
-          <a:xfrm>
-            <a:off x="6172200" y="5000843"/>
-            <a:ext cx="1778466" cy="1000387"/>
-          </a:xfrm>
-          <a:prstGeom prst="rect">
-            <a:avLst/>
-          </a:prstGeom>
-        </p:spPr>
-      </p:pic>
+              <a:t>Обучение различных </a:t>
+            </a:r>
+            <a:r>
+              <a:rPr lang="en-US" dirty="0"/>
+              <a:t>GAN (Silly GAN, DCGAN)</a:t>
+            </a:r>
+            <a:endParaRPr lang="ru-RU" dirty="0"/>
+          </a:p>
+          <a:p>
+            <a:r>
+              <a:rPr lang="ru-RU" dirty="0"/>
+              <a:t>Проведение атак на нейронные сети:</a:t>
+            </a:r>
+          </a:p>
+          <a:p>
+            <a:pPr lvl="1"/>
+            <a:r>
+              <a:rPr lang="en-US" dirty="0"/>
+              <a:t>White-box</a:t>
+            </a:r>
+          </a:p>
+          <a:p>
+            <a:pPr lvl="1"/>
+            <a:r>
+              <a:rPr lang="en-US" dirty="0"/>
+              <a:t>Black-box with a leakage</a:t>
+            </a:r>
+          </a:p>
+          <a:p>
+            <a:pPr lvl="1"/>
+            <a:r>
+              <a:rPr lang="en-US" dirty="0"/>
+              <a:t>Black-box without any leakages</a:t>
+            </a:r>
+          </a:p>
+          <a:p>
+            <a:endParaRPr lang="ru-RU" dirty="0"/>
+          </a:p>
+        </p:txBody>
+      </p:sp>
     </p:spTree>
+    <p:extLst>
+      <p:ext uri="{BB962C8B-B14F-4D97-AF65-F5344CB8AC3E}">
+        <p14:creationId xmlns:p14="http://schemas.microsoft.com/office/powerpoint/2010/main" val="3135823400"/>
+      </p:ext>
+    </p:extLst>
   </p:cSld>
   <p:clrMapOvr>
     <a:masterClrMapping/>
@@ -4643,10 +5945,10 @@
       </p:grpSpPr>
       <p:sp>
         <p:nvSpPr>
-          <p:cNvPr id="2" name="Заголовок 1">
+          <p:cNvPr id="3" name="Заголовок 2">
             <a:extLst>
               <a:ext uri="{FF2B5EF4-FFF2-40B4-BE49-F238E27FC236}">
-                <a16:creationId xmlns:a16="http://schemas.microsoft.com/office/drawing/2014/main" id="{9403061C-B52A-4523-BFDA-469BAB864B21}"/>
+                <a16:creationId xmlns:a16="http://schemas.microsoft.com/office/drawing/2014/main" id="{04704B28-0A0D-4240-B6FB-F75469A52217}"/>
               </a:ext>
             </a:extLst>
           </p:cNvPr>
@@ -4659,8 +5961,8 @@
         </p:nvSpPr>
         <p:spPr>
           <a:xfrm>
-            <a:off x="3087148" y="365125"/>
-            <a:ext cx="8266651" cy="1325563"/>
+            <a:off x="3238150" y="365125"/>
+            <a:ext cx="8115650" cy="1325563"/>
           </a:xfrm>
         </p:spPr>
         <p:txBody>
@@ -4668,27 +5970,63 @@
           <a:lstStyle/>
           <a:p>
             <a:r>
+              <a:rPr lang="ru-RU" dirty="0"/>
+              <a:t>Обучение своей </a:t>
+            </a:r>
+            <a:r>
               <a:rPr lang="en-US" dirty="0"/>
-              <a:t>White-box attack</a:t>
+              <a:t>Silly GAN</a:t>
             </a:r>
             <a:endParaRPr lang="ru-RU" dirty="0"/>
           </a:p>
         </p:txBody>
       </p:sp>
-      <p:sp>
-        <p:nvSpPr>
-          <p:cNvPr id="3" name="Объект 2">
+      <p:pic>
+        <p:nvPicPr>
+          <p:cNvPr id="6" name="Объект 5">
             <a:extLst>
               <a:ext uri="{FF2B5EF4-FFF2-40B4-BE49-F238E27FC236}">
-                <a16:creationId xmlns:a16="http://schemas.microsoft.com/office/drawing/2014/main" id="{9FB3D1AB-D30E-4C8B-93C4-04A9FC45A67D}"/>
+                <a16:creationId xmlns:a16="http://schemas.microsoft.com/office/drawing/2014/main" id="{4E8F82FF-63E0-487D-B74A-76EAB34126F1}"/>
               </a:ext>
             </a:extLst>
           </p:cNvPr>
-          <p:cNvSpPr>
-            <a:spLocks noGrp="1"/>
-          </p:cNvSpPr>
-          <p:nvPr>
-            <p:ph idx="1"/>
+          <p:cNvPicPr>
+            <a:picLocks noGrp="1" noChangeAspect="1"/>
+          </p:cNvPicPr>
+          <p:nvPr>
+            <p:ph sz="half" idx="1"/>
+          </p:nvPr>
+        </p:nvPicPr>
+        <p:blipFill>
+          <a:blip r:embed="rId3"/>
+          <a:stretch>
+            <a:fillRect/>
+          </a:stretch>
+        </p:blipFill>
+        <p:spPr>
+          <a:xfrm>
+            <a:off x="1165247" y="1825625"/>
+            <a:ext cx="4527505" cy="4351338"/>
+          </a:xfrm>
+          <a:prstGeom prst="rect">
+            <a:avLst/>
+          </a:prstGeom>
+        </p:spPr>
+      </p:pic>
+      <p:sp>
+        <p:nvSpPr>
+          <p:cNvPr id="5" name="Объект 4">
+            <a:extLst>
+              <a:ext uri="{FF2B5EF4-FFF2-40B4-BE49-F238E27FC236}">
+                <a16:creationId xmlns:a16="http://schemas.microsoft.com/office/drawing/2014/main" id="{6EE37ECF-7EA6-4D2D-B667-D31851EB74BA}"/>
+              </a:ext>
+            </a:extLst>
+          </p:cNvPr>
+          <p:cNvSpPr>
+            <a:spLocks noGrp="1"/>
+          </p:cNvSpPr>
+          <p:nvPr>
+            <p:ph sz="half" idx="2"/>
           </p:nvPr>
         </p:nvSpPr>
         <p:spPr/>
@@ -4697,82 +6035,207 @@
           <a:lstStyle/>
           <a:p>
             <a:r>
-              <a:rPr lang="ru-RU" b="1" dirty="0"/>
-              <a:t>Задача</a:t>
+              <a:rPr lang="en-US" dirty="0"/>
+              <a:t>Jensen-Shannon GAN </a:t>
             </a:r>
             <a:r>
               <a:rPr lang="ru-RU" dirty="0"/>
-              <a:t>. Пусть преступник украл дискриминатор, и он хочет узнать, является ли данный элемент частью </a:t>
+              <a:t>со шумом в </a:t>
             </a:r>
             <a:r>
               <a:rPr lang="en-US" dirty="0"/>
-              <a:t>train</a:t>
+              <a:t>losses,</a:t>
             </a:r>
             <a:r>
               <a:rPr lang="ru-RU" dirty="0"/>
-              <a:t>. Как это сделать?</a:t>
-            </a:r>
-          </a:p>
-          <a:p>
-            <a:r>
-              <a:rPr lang="ru-RU" b="1" dirty="0"/>
-              <a:t>Идея</a:t>
+              <a:t> регуляризацией градиента</a:t>
+            </a:r>
+            <a:r>
+              <a:rPr lang="en-US" dirty="0"/>
+              <a:t> </a:t>
             </a:r>
             <a:r>
               <a:rPr lang="ru-RU" dirty="0"/>
-              <a:t>: переобученный дискриминатор сохраняет в себе </a:t>
+              <a:t>и</a:t>
             </a:r>
             <a:r>
               <a:rPr lang="en-US" dirty="0"/>
-              <a:t>train-set</a:t>
+              <a:t> </a:t>
+            </a:r>
+            <a:r>
+              <a:rPr lang="ru-RU" dirty="0"/>
+              <a:t>техникой </a:t>
+            </a:r>
+            <a:r>
+              <a:rPr lang="en-US" dirty="0"/>
+              <a:t>Dropout</a:t>
             </a:r>
             <a:endParaRPr lang="ru-RU" dirty="0"/>
           </a:p>
           <a:p>
             <a:r>
-              <a:rPr lang="ru-RU" b="1" dirty="0"/>
-              <a:t>Метод</a:t>
-            </a:r>
-            <a:r>
               <a:rPr lang="ru-RU" dirty="0"/>
-              <a:t>. Прогнать запись через дискриминатор.</a:t>
-            </a:r>
-          </a:p>
-          <a:p>
-            <a:r>
-              <a:rPr lang="ru-RU" b="1" dirty="0"/>
-              <a:t>Результат</a:t>
-            </a:r>
+              <a:t>Обучение происходило на сервере ШАД </a:t>
+            </a:r>
+            <a:r>
+              <a:rPr lang="en-US" dirty="0" err="1"/>
+              <a:t>almaren</a:t>
+            </a:r>
+            <a:endParaRPr lang="en-US" dirty="0"/>
+          </a:p>
+          <a:p>
             <a:r>
               <a:rPr lang="ru-RU" dirty="0"/>
-              <a:t>. Не работает, если избегать переобучения: использовать техники </a:t>
-            </a:r>
-            <a:r>
-              <a:rPr lang="en-US" dirty="0"/>
-              <a:t>Dropout, </a:t>
-            </a:r>
-            <a:r>
-              <a:rPr lang="ru-RU" dirty="0"/>
-              <a:t>шум в </a:t>
-            </a:r>
-            <a:r>
-              <a:rPr lang="en-US" dirty="0"/>
-              <a:t>loss</a:t>
-            </a:r>
-            <a:r>
-              <a:rPr lang="ru-RU" dirty="0"/>
-              <a:t>, регуляризацию градиента.</a:t>
-            </a:r>
-            <a:endParaRPr lang="en-US" dirty="0"/>
-          </a:p>
-        </p:txBody>
-      </p:sp>
+              <a:t>Сгенерированные цифры слева</a:t>
+            </a:r>
+          </a:p>
+        </p:txBody>
+      </p:sp>
+      <p:pic>
+        <p:nvPicPr>
+          <p:cNvPr id="8" name="Рисунок 7">
+            <a:extLst>
+              <a:ext uri="{FF2B5EF4-FFF2-40B4-BE49-F238E27FC236}">
+                <a16:creationId xmlns:a16="http://schemas.microsoft.com/office/drawing/2014/main" id="{25294944-D59E-4F9B-B656-238BAAE492E4}"/>
+              </a:ext>
+            </a:extLst>
+          </p:cNvPr>
+          <p:cNvPicPr>
+            <a:picLocks noChangeAspect="1"/>
+          </p:cNvPicPr>
+          <p:nvPr/>
+        </p:nvPicPr>
+        <p:blipFill>
+          <a:blip r:embed="rId4">
+            <a:extLst>
+              <a:ext uri="{28A0092B-C50C-407E-A947-70E740481C1C}">
+                <a14:useLocalDpi xmlns:a14="http://schemas.microsoft.com/office/drawing/2010/main" val="0"/>
+              </a:ext>
+            </a:extLst>
+          </a:blip>
+          <a:stretch>
+            <a:fillRect/>
+          </a:stretch>
+        </p:blipFill>
+        <p:spPr>
+          <a:xfrm>
+            <a:off x="6172200" y="4738421"/>
+            <a:ext cx="1437619" cy="1437619"/>
+          </a:xfrm>
+          <a:prstGeom prst="rect">
+            <a:avLst/>
+          </a:prstGeom>
+        </p:spPr>
+      </p:pic>
+      <p:pic>
+        <p:nvPicPr>
+          <p:cNvPr id="12" name="Рисунок 11">
+            <a:extLst>
+              <a:ext uri="{FF2B5EF4-FFF2-40B4-BE49-F238E27FC236}">
+                <a16:creationId xmlns:a16="http://schemas.microsoft.com/office/drawing/2014/main" id="{10F0AAE6-B877-470E-B5BF-071957D1FAFC}"/>
+              </a:ext>
+            </a:extLst>
+          </p:cNvPr>
+          <p:cNvPicPr>
+            <a:picLocks noChangeAspect="1"/>
+          </p:cNvPicPr>
+          <p:nvPr/>
+        </p:nvPicPr>
+        <p:blipFill>
+          <a:blip r:embed="rId5">
+            <a:extLst>
+              <a:ext uri="{28A0092B-C50C-407E-A947-70E740481C1C}">
+                <a14:useLocalDpi xmlns:a14="http://schemas.microsoft.com/office/drawing/2010/main" val="0"/>
+              </a:ext>
+            </a:extLst>
+          </a:blip>
+          <a:stretch>
+            <a:fillRect/>
+          </a:stretch>
+        </p:blipFill>
+        <p:spPr>
+          <a:xfrm>
+            <a:off x="7609819" y="4738421"/>
+            <a:ext cx="1332845" cy="999634"/>
+          </a:xfrm>
+          <a:prstGeom prst="rect">
+            <a:avLst/>
+          </a:prstGeom>
+        </p:spPr>
+      </p:pic>
+      <p:pic>
+        <p:nvPicPr>
+          <p:cNvPr id="14" name="Рисунок 13">
+            <a:extLst>
+              <a:ext uri="{FF2B5EF4-FFF2-40B4-BE49-F238E27FC236}">
+                <a16:creationId xmlns:a16="http://schemas.microsoft.com/office/drawing/2014/main" id="{BCE3FD91-8ABB-401C-BA3F-95B741B5F8A4}"/>
+              </a:ext>
+            </a:extLst>
+          </p:cNvPr>
+          <p:cNvPicPr>
+            <a:picLocks noChangeAspect="1"/>
+          </p:cNvPicPr>
+          <p:nvPr/>
+        </p:nvPicPr>
+        <p:blipFill>
+          <a:blip r:embed="rId6">
+            <a:extLst>
+              <a:ext uri="{28A0092B-C50C-407E-A947-70E740481C1C}">
+                <a14:useLocalDpi xmlns:a14="http://schemas.microsoft.com/office/drawing/2010/main" val="0"/>
+              </a:ext>
+            </a:extLst>
+          </a:blip>
+          <a:stretch>
+            <a:fillRect/>
+          </a:stretch>
+        </p:blipFill>
+        <p:spPr>
+          <a:xfrm>
+            <a:off x="6172200" y="5738055"/>
+            <a:ext cx="1778466" cy="1000387"/>
+          </a:xfrm>
+          <a:prstGeom prst="rect">
+            <a:avLst/>
+          </a:prstGeom>
+        </p:spPr>
+      </p:pic>
+      <p:pic>
+        <p:nvPicPr>
+          <p:cNvPr id="4" name="Рисунок 3">
+            <a:extLst>
+              <a:ext uri="{FF2B5EF4-FFF2-40B4-BE49-F238E27FC236}">
+                <a16:creationId xmlns:a16="http://schemas.microsoft.com/office/drawing/2014/main" id="{B25D892D-856A-4AC1-9256-1034C73FF911}"/>
+              </a:ext>
+            </a:extLst>
+          </p:cNvPr>
+          <p:cNvPicPr>
+            <a:picLocks noChangeAspect="1"/>
+          </p:cNvPicPr>
+          <p:nvPr/>
+        </p:nvPicPr>
+        <p:blipFill>
+          <a:blip r:embed="rId7">
+            <a:extLst>
+              <a:ext uri="{28A0092B-C50C-407E-A947-70E740481C1C}">
+                <a14:useLocalDpi xmlns:a14="http://schemas.microsoft.com/office/drawing/2010/main" val="0"/>
+              </a:ext>
+            </a:extLst>
+          </a:blip>
+          <a:stretch>
+            <a:fillRect/>
+          </a:stretch>
+        </p:blipFill>
+        <p:spPr>
+          <a:xfrm>
+            <a:off x="7577356" y="5950347"/>
+            <a:ext cx="2371288" cy="787342"/>
+          </a:xfrm>
+          <a:prstGeom prst="rect">
+            <a:avLst/>
+          </a:prstGeom>
+        </p:spPr>
+      </p:pic>
     </p:spTree>
-    <p:extLst>
-      <p:ext uri="{BB962C8B-B14F-4D97-AF65-F5344CB8AC3E}">
-        <p14:creationId xmlns:p14="http://schemas.microsoft.com/office/powerpoint/2010/main" val="621440797"/>
-      </p:ext>
-    </p:extLst>
   </p:cSld>
   <p:clrMapOvr>
     <a:masterClrMapping/>
@@ -4814,7 +6277,7 @@
           <p:cNvPr id="2" name="Заголовок 1">
             <a:extLst>
               <a:ext uri="{FF2B5EF4-FFF2-40B4-BE49-F238E27FC236}">
-                <a16:creationId xmlns:a16="http://schemas.microsoft.com/office/drawing/2014/main" id="{1FD6C6EC-7F3B-4A91-A260-488E11C6682E}"/>
+                <a16:creationId xmlns:a16="http://schemas.microsoft.com/office/drawing/2014/main" id="{72340B78-C6CF-4CF0-9A83-58536C27460E}"/>
               </a:ext>
             </a:extLst>
           </p:cNvPr>
@@ -4827,8 +6290,8 @@
         </p:nvSpPr>
         <p:spPr>
           <a:xfrm>
-            <a:off x="3355596" y="365125"/>
-            <a:ext cx="7998204" cy="1325563"/>
+            <a:off x="3020036" y="365125"/>
+            <a:ext cx="8333763" cy="1325563"/>
           </a:xfrm>
         </p:spPr>
         <p:txBody>
@@ -4837,7 +6300,7 @@
           <a:p>
             <a:r>
               <a:rPr lang="en-US" dirty="0"/>
-              <a:t>Black-box attack</a:t>
+              <a:t>DCGAN for MNIST</a:t>
             </a:r>
             <a:endParaRPr lang="ru-RU" dirty="0"/>
           </a:p>
@@ -4845,10 +6308,10 @@
       </p:sp>
       <p:sp>
         <p:nvSpPr>
-          <p:cNvPr id="3" name="Объект 2">
+          <p:cNvPr id="4" name="Объект 3">
             <a:extLst>
               <a:ext uri="{FF2B5EF4-FFF2-40B4-BE49-F238E27FC236}">
-                <a16:creationId xmlns:a16="http://schemas.microsoft.com/office/drawing/2014/main" id="{F8DE2330-2648-4792-8055-D91F67FE5D47}"/>
+                <a16:creationId xmlns:a16="http://schemas.microsoft.com/office/drawing/2014/main" id="{E025AB3E-7B00-4F14-A3A0-C230845EF272}"/>
               </a:ext>
             </a:extLst>
           </p:cNvPr>
@@ -4856,7 +6319,7 @@
             <a:spLocks noGrp="1"/>
           </p:cNvSpPr>
           <p:nvPr>
-            <p:ph idx="1"/>
+            <p:ph sz="half" idx="1"/>
           </p:nvPr>
         </p:nvSpPr>
         <p:spPr/>
@@ -4864,64 +6327,242 @@
           <a:bodyPr/>
           <a:lstStyle/>
           <a:p>
-            <a:r>
-              <a:rPr lang="ru-RU" b="1" dirty="0"/>
-              <a:t>Задача</a:t>
-            </a:r>
+            <a:pPr marL="0" indent="0">
+              <a:buNone/>
+            </a:pPr>
+            <a:endParaRPr lang="ru-RU" dirty="0"/>
+          </a:p>
+        </p:txBody>
+      </p:sp>
+      <p:sp>
+        <p:nvSpPr>
+          <p:cNvPr id="5" name="Объект 4">
+            <a:extLst>
+              <a:ext uri="{FF2B5EF4-FFF2-40B4-BE49-F238E27FC236}">
+                <a16:creationId xmlns:a16="http://schemas.microsoft.com/office/drawing/2014/main" id="{DC89CC25-33E8-4623-BAFD-7804CDBCFEF5}"/>
+              </a:ext>
+            </a:extLst>
+          </p:cNvPr>
+          <p:cNvSpPr>
+            <a:spLocks noGrp="1"/>
+          </p:cNvSpPr>
+          <p:nvPr>
+            <p:ph sz="half" idx="2"/>
+          </p:nvPr>
+        </p:nvSpPr>
+        <p:spPr/>
+        <p:txBody>
+          <a:bodyPr/>
+          <a:lstStyle/>
+          <a:p>
             <a:r>
               <a:rPr lang="ru-RU" dirty="0"/>
-              <a:t>. Произошла утечка данных в </a:t>
-            </a:r>
+              <a:t>Использовали </a:t>
+            </a:r>
+            <a:r>
+              <a:rPr lang="ru-RU" dirty="0" err="1"/>
+              <a:t>предобученную</a:t>
+            </a:r>
+            <a:r>
+              <a:rPr lang="ru-RU" dirty="0"/>
+              <a:t> модель (</a:t>
+            </a:r>
+            <a:r>
+              <a:rPr lang="ru-RU" dirty="0">
+                <a:hlinkClick r:id="rId3"/>
+              </a:rPr>
+              <a:t>ссылка</a:t>
+            </a:r>
+            <a:r>
+              <a:rPr lang="ru-RU" dirty="0"/>
+              <a:t>)</a:t>
+            </a:r>
+          </a:p>
+          <a:p>
             <a:r>
               <a:rPr lang="en-US" dirty="0"/>
-              <a:t>train</a:t>
+              <a:t>Jensen-Shannon </a:t>
             </a:r>
             <a:r>
               <a:rPr lang="ru-RU" dirty="0"/>
-              <a:t>. Злоумышленник имеет доступ либо к генератору, либо к выборке, им созданной. Он хочет по данной записи узнать, использовалась ли она в </a:t>
+              <a:t>без шумов</a:t>
             </a:r>
             <a:r>
               <a:rPr lang="en-US" dirty="0"/>
-              <a:t>train.</a:t>
+              <a:t>,</a:t>
+            </a:r>
+            <a:r>
+              <a:rPr lang="ru-RU" dirty="0"/>
+              <a:t> </a:t>
+            </a:r>
+            <a:r>
+              <a:rPr lang="ru-RU" dirty="0" err="1"/>
+              <a:t>регуляризаций</a:t>
+            </a:r>
+            <a:r>
+              <a:rPr lang="en-US" dirty="0"/>
+              <a:t> </a:t>
+            </a:r>
+            <a:r>
+              <a:rPr lang="ru-RU" dirty="0"/>
+              <a:t>и </a:t>
+            </a:r>
+            <a:r>
+              <a:rPr lang="en-US" dirty="0"/>
+              <a:t>Dropout</a:t>
             </a:r>
             <a:endParaRPr lang="ru-RU" dirty="0"/>
           </a:p>
           <a:p>
-            <a:r>
-              <a:rPr lang="ru-RU" b="1" dirty="0"/>
-              <a:t>Идея</a:t>
-            </a:r>
-            <a:r>
-              <a:rPr lang="ru-RU" dirty="0"/>
-              <a:t>. Создать классификатор.</a:t>
-            </a:r>
-          </a:p>
-          <a:p>
-            <a:r>
-              <a:rPr lang="ru-RU" b="1" dirty="0"/>
-              <a:t>Метод</a:t>
-            </a:r>
-            <a:r>
-              <a:rPr lang="ru-RU" dirty="0"/>
-              <a:t>. Обучить нейросеть, которая будет отличать настоящие снимки от сгенерированных.</a:t>
-            </a:r>
-          </a:p>
-          <a:p>
-            <a:r>
-              <a:rPr lang="ru-RU" b="1" dirty="0"/>
-              <a:t>Результат</a:t>
-            </a:r>
-            <a:r>
-              <a:rPr lang="ru-RU" dirty="0"/>
-              <a:t>. Угадывает правильно в 59-63% случаях. </a:t>
-            </a:r>
-          </a:p>
-        </p:txBody>
-      </p:sp>
+            <a:endParaRPr lang="en-US" dirty="0"/>
+          </a:p>
+          <a:p>
+            <a:endParaRPr lang="ru-RU" dirty="0"/>
+          </a:p>
+        </p:txBody>
+      </p:sp>
+      <p:pic>
+        <p:nvPicPr>
+          <p:cNvPr id="7" name="Рисунок 6">
+            <a:extLst>
+              <a:ext uri="{FF2B5EF4-FFF2-40B4-BE49-F238E27FC236}">
+                <a16:creationId xmlns:a16="http://schemas.microsoft.com/office/drawing/2014/main" id="{8AE71887-47EE-4C63-9381-9B853A8A4F4F}"/>
+              </a:ext>
+            </a:extLst>
+          </p:cNvPr>
+          <p:cNvPicPr>
+            <a:picLocks noChangeAspect="1"/>
+          </p:cNvPicPr>
+          <p:nvPr/>
+        </p:nvPicPr>
+        <p:blipFill>
+          <a:blip r:embed="rId4">
+            <a:extLst>
+              <a:ext uri="{28A0092B-C50C-407E-A947-70E740481C1C}">
+                <a14:useLocalDpi xmlns:a14="http://schemas.microsoft.com/office/drawing/2010/main" val="0"/>
+              </a:ext>
+            </a:extLst>
+          </a:blip>
+          <a:stretch>
+            <a:fillRect/>
+          </a:stretch>
+        </p:blipFill>
+        <p:spPr>
+          <a:xfrm>
+            <a:off x="8276241" y="4761040"/>
+            <a:ext cx="1332845" cy="999634"/>
+          </a:xfrm>
+          <a:prstGeom prst="rect">
+            <a:avLst/>
+          </a:prstGeom>
+        </p:spPr>
+      </p:pic>
+      <p:pic>
+        <p:nvPicPr>
+          <p:cNvPr id="8" name="Рисунок 7">
+            <a:extLst>
+              <a:ext uri="{FF2B5EF4-FFF2-40B4-BE49-F238E27FC236}">
+                <a16:creationId xmlns:a16="http://schemas.microsoft.com/office/drawing/2014/main" id="{AEDED4FF-7FBE-4B19-A504-C2F4A34FCCAB}"/>
+              </a:ext>
+            </a:extLst>
+          </p:cNvPr>
+          <p:cNvPicPr>
+            <a:picLocks noChangeAspect="1"/>
+          </p:cNvPicPr>
+          <p:nvPr/>
+        </p:nvPicPr>
+        <p:blipFill>
+          <a:blip r:embed="rId5">
+            <a:extLst>
+              <a:ext uri="{28A0092B-C50C-407E-A947-70E740481C1C}">
+                <a14:useLocalDpi xmlns:a14="http://schemas.microsoft.com/office/drawing/2010/main" val="0"/>
+              </a:ext>
+            </a:extLst>
+          </a:blip>
+          <a:stretch>
+            <a:fillRect/>
+          </a:stretch>
+        </p:blipFill>
+        <p:spPr>
+          <a:xfrm>
+            <a:off x="6497775" y="4771596"/>
+            <a:ext cx="1778466" cy="1000387"/>
+          </a:xfrm>
+          <a:prstGeom prst="rect">
+            <a:avLst/>
+          </a:prstGeom>
+        </p:spPr>
+      </p:pic>
+      <p:pic>
+        <p:nvPicPr>
+          <p:cNvPr id="9" name="Рисунок 8">
+            <a:extLst>
+              <a:ext uri="{FF2B5EF4-FFF2-40B4-BE49-F238E27FC236}">
+                <a16:creationId xmlns:a16="http://schemas.microsoft.com/office/drawing/2014/main" id="{CA67ADB6-FBC0-44A0-9466-C808211C978C}"/>
+              </a:ext>
+            </a:extLst>
+          </p:cNvPr>
+          <p:cNvPicPr>
+            <a:picLocks noChangeAspect="1"/>
+          </p:cNvPicPr>
+          <p:nvPr/>
+        </p:nvPicPr>
+        <p:blipFill>
+          <a:blip r:embed="rId6">
+            <a:extLst>
+              <a:ext uri="{28A0092B-C50C-407E-A947-70E740481C1C}">
+                <a14:useLocalDpi xmlns:a14="http://schemas.microsoft.com/office/drawing/2010/main" val="0"/>
+              </a:ext>
+            </a:extLst>
+          </a:blip>
+          <a:stretch>
+            <a:fillRect/>
+          </a:stretch>
+        </p:blipFill>
+        <p:spPr>
+          <a:xfrm>
+            <a:off x="6497775" y="5760674"/>
+            <a:ext cx="2371288" cy="787342"/>
+          </a:xfrm>
+          <a:prstGeom prst="rect">
+            <a:avLst/>
+          </a:prstGeom>
+        </p:spPr>
+      </p:pic>
+      <p:pic>
+        <p:nvPicPr>
+          <p:cNvPr id="10" name="Рисунок 9">
+            <a:extLst>
+              <a:ext uri="{FF2B5EF4-FFF2-40B4-BE49-F238E27FC236}">
+                <a16:creationId xmlns:a16="http://schemas.microsoft.com/office/drawing/2014/main" id="{484EAEDD-6FFB-4407-ADAF-AC12FACDF2AA}"/>
+              </a:ext>
+            </a:extLst>
+          </p:cNvPr>
+          <p:cNvPicPr>
+            <a:picLocks noChangeAspect="1"/>
+          </p:cNvPicPr>
+          <p:nvPr/>
+        </p:nvPicPr>
+        <p:blipFill>
+          <a:blip r:embed="rId7"/>
+          <a:stretch>
+            <a:fillRect/>
+          </a:stretch>
+        </p:blipFill>
+        <p:spPr>
+          <a:xfrm>
+            <a:off x="838200" y="1825625"/>
+            <a:ext cx="5181600" cy="3614482"/>
+          </a:xfrm>
+          <a:prstGeom prst="rect">
+            <a:avLst/>
+          </a:prstGeom>
+        </p:spPr>
+      </p:pic>
     </p:spTree>
     <p:extLst>
       <p:ext uri="{BB962C8B-B14F-4D97-AF65-F5344CB8AC3E}">
-        <p14:creationId xmlns:p14="http://schemas.microsoft.com/office/powerpoint/2010/main" val="3620958163"/>
+        <p14:creationId xmlns:p14="http://schemas.microsoft.com/office/powerpoint/2010/main" val="2082386604"/>
       </p:ext>
     </p:extLst>
   </p:cSld>
@@ -4965,7 +6606,7 @@
           <p:cNvPr id="2" name="Заголовок 1">
             <a:extLst>
               <a:ext uri="{FF2B5EF4-FFF2-40B4-BE49-F238E27FC236}">
-                <a16:creationId xmlns:a16="http://schemas.microsoft.com/office/drawing/2014/main" id="{62A9E6FB-B597-4261-A58F-C106F3D0374F}"/>
+                <a16:creationId xmlns:a16="http://schemas.microsoft.com/office/drawing/2014/main" id="{9403061C-B52A-4523-BFDA-469BAB864B21}"/>
               </a:ext>
             </a:extLst>
           </p:cNvPr>
@@ -4978,8 +6619,8 @@
         </p:nvSpPr>
         <p:spPr>
           <a:xfrm>
-            <a:off x="3145872" y="365125"/>
-            <a:ext cx="8207928" cy="1325563"/>
+            <a:off x="3087148" y="365125"/>
+            <a:ext cx="8266651" cy="1325563"/>
           </a:xfrm>
         </p:spPr>
         <p:txBody>
@@ -4987,12 +6628,8 @@
           <a:lstStyle/>
           <a:p>
             <a:r>
-              <a:rPr lang="ru-RU" dirty="0"/>
-              <a:t>Как противостоять </a:t>
-            </a:r>
-            <a:r>
               <a:rPr lang="en-US" dirty="0"/>
-              <a:t>black-box?</a:t>
+              <a:t>White-box attack</a:t>
             </a:r>
             <a:endParaRPr lang="ru-RU" dirty="0"/>
           </a:p>
@@ -5003,7 +6640,7 @@
           <p:cNvPr id="3" name="Объект 2">
             <a:extLst>
               <a:ext uri="{FF2B5EF4-FFF2-40B4-BE49-F238E27FC236}">
-                <a16:creationId xmlns:a16="http://schemas.microsoft.com/office/drawing/2014/main" id="{D3D6AB87-947B-40D1-8FCB-1F9BCAAEDB8B}"/>
+                <a16:creationId xmlns:a16="http://schemas.microsoft.com/office/drawing/2014/main" id="{9FB3D1AB-D30E-4C8B-93C4-04A9FC45A67D}"/>
               </a:ext>
             </a:extLst>
           </p:cNvPr>
@@ -5025,15 +6662,15 @@
             </a:r>
             <a:r>
               <a:rPr lang="ru-RU" dirty="0"/>
-              <a:t>. Разработчик хочет избежать </a:t>
+              <a:t>. Пусть преступник украл дискриминатор, и он хочет узнать, является ли данный элемент частью </a:t>
             </a:r>
             <a:r>
               <a:rPr lang="en-US" dirty="0"/>
-              <a:t>black-box </a:t>
+              <a:t>train</a:t>
             </a:r>
             <a:r>
               <a:rPr lang="ru-RU" dirty="0"/>
-              <a:t>атаки. Что делать?</a:t>
+              <a:t>. Как это сделать?</a:t>
             </a:r>
           </a:p>
           <a:p>
@@ -5043,7 +6680,15 @@
             </a:r>
             <a:r>
               <a:rPr lang="ru-RU" dirty="0"/>
-              <a:t>. Сымитировать её у себя.</a:t>
+              <a:t>: переобученный дискриминатор сохраняет в себе </a:t>
+            </a:r>
+            <a:r>
+              <a:rPr lang="en-US" dirty="0"/>
+              <a:t>train-set</a:t>
+            </a:r>
+            <a:r>
+              <a:rPr lang="ru-RU" dirty="0"/>
+              <a:t>.</a:t>
             </a:r>
           </a:p>
           <a:p>
@@ -5051,49 +6696,53 @@
               <a:rPr lang="ru-RU" b="1" dirty="0"/>
               <a:t>Метод</a:t>
             </a:r>
-          </a:p>
-          <a:p>
-            <a:pPr marL="971550" lvl="1" indent="-514350">
-              <a:buFont typeface="+mj-lt"/>
-              <a:buAutoNum type="arabicPeriod"/>
-            </a:pPr>
             <a:r>
               <a:rPr lang="ru-RU" dirty="0"/>
-              <a:t>Обучить </a:t>
+              <a:t>. Дано множество записей </a:t>
             </a:r>
             <a:r>
               <a:rPr lang="en-US" dirty="0"/>
-              <a:t>GAN</a:t>
-            </a:r>
-          </a:p>
-          <a:p>
-            <a:pPr marL="971550" lvl="1" indent="-514350">
-              <a:buFont typeface="+mj-lt"/>
-              <a:buAutoNum type="arabicPeriod"/>
-            </a:pPr>
+              <a:t>X </a:t>
+            </a:r>
             <a:r>
               <a:rPr lang="ru-RU" dirty="0"/>
-              <a:t>Удалить дискриминатор и обучить новый вместо имевшегося.</a:t>
-            </a:r>
-          </a:p>
-          <a:p>
-            <a:pPr marL="971550" lvl="1" indent="-514350">
-              <a:buFont typeface="+mj-lt"/>
-              <a:buAutoNum type="arabicPeriod"/>
-            </a:pPr>
+              <a:t>из </a:t>
+            </a:r>
+            <a:r>
+              <a:rPr lang="en-US" dirty="0" err="1"/>
+              <a:t>n+k</a:t>
+            </a:r>
+            <a:r>
+              <a:rPr lang="en-US" dirty="0"/>
+              <a:t> </a:t>
+            </a:r>
             <a:r>
               <a:rPr lang="ru-RU" dirty="0"/>
-              <a:t>Доучить генератор с новым дискриминатором.</a:t>
-            </a:r>
-          </a:p>
-          <a:p>
-            <a:pPr marL="971550" lvl="1" indent="-514350">
-              <a:buFont typeface="+mj-lt"/>
-              <a:buAutoNum type="arabicPeriod"/>
-            </a:pPr>
+              <a:t>элементов, и предполагается, что </a:t>
+            </a:r>
+            <a:r>
+              <a:rPr lang="en-US" dirty="0"/>
+              <a:t>n </a:t>
+            </a:r>
             <a:r>
               <a:rPr lang="ru-RU" dirty="0"/>
-              <a:t>Повторить несколько раз (пяти хватит).</a:t>
+              <a:t>из них входит в </a:t>
+            </a:r>
+            <a:r>
+              <a:rPr lang="en-US" dirty="0"/>
+              <a:t>train</a:t>
+            </a:r>
+            <a:r>
+              <a:rPr lang="ru-RU" dirty="0"/>
+              <a:t>. Отберём те </a:t>
+            </a:r>
+            <a:r>
+              <a:rPr lang="en-US" dirty="0"/>
+              <a:t>n </a:t>
+            </a:r>
+            <a:r>
+              <a:rPr lang="ru-RU" dirty="0"/>
+              <a:t>записей, на которые отклик дискриминатора будет наибольший.</a:t>
             </a:r>
           </a:p>
           <a:p>
@@ -5103,23 +6752,44 @@
             </a:r>
             <a:r>
               <a:rPr lang="ru-RU" dirty="0"/>
-              <a:t>. С натренированным генератором </a:t>
-            </a:r>
+              <a:t>. Испытание на идеально сбалансированной выборке.</a:t>
+            </a:r>
+          </a:p>
+          <a:p>
+            <a:pPr lvl="1">
+              <a:buFont typeface="Wingdings" panose="05000000000000000000" pitchFamily="2" charset="2"/>
+              <a:buChar char="Ø"/>
+            </a:pPr>
             <a:r>
               <a:rPr lang="en-US" dirty="0"/>
-              <a:t>black-box attack </a:t>
+              <a:t>DCGAN – </a:t>
             </a:r>
             <a:r>
               <a:rPr lang="ru-RU" dirty="0"/>
-              <a:t>не работает.</a:t>
-            </a:r>
+              <a:t>работает (правильно в 94% случаев)</a:t>
+            </a:r>
+          </a:p>
+          <a:p>
+            <a:pPr lvl="1">
+              <a:buFont typeface="Wingdings" panose="05000000000000000000" pitchFamily="2" charset="2"/>
+              <a:buChar char="Ø"/>
+            </a:pPr>
+            <a:r>
+              <a:rPr lang="en-US" dirty="0"/>
+              <a:t>Silly GAN </a:t>
+            </a:r>
+            <a:r>
+              <a:rPr lang="ru-RU" dirty="0"/>
+              <a:t>– не работает (точность как у простого угадывания)</a:t>
+            </a:r>
+            <a:endParaRPr lang="en-US" dirty="0"/>
           </a:p>
         </p:txBody>
       </p:sp>
     </p:spTree>
     <p:extLst>
       <p:ext uri="{BB962C8B-B14F-4D97-AF65-F5344CB8AC3E}">
-        <p14:creationId xmlns:p14="http://schemas.microsoft.com/office/powerpoint/2010/main" val="3003148767"/>
+        <p14:creationId xmlns:p14="http://schemas.microsoft.com/office/powerpoint/2010/main" val="621440797"/>
       </p:ext>
     </p:extLst>
   </p:cSld>
@@ -5158,10 +6828,148 @@
           <a:chExt cx="0" cy="0"/>
         </a:xfrm>
       </p:grpSpPr>
+      <p:sp>
+        <p:nvSpPr>
+          <p:cNvPr id="2" name="Заголовок 1">
+            <a:extLst>
+              <a:ext uri="{FF2B5EF4-FFF2-40B4-BE49-F238E27FC236}">
+                <a16:creationId xmlns:a16="http://schemas.microsoft.com/office/drawing/2014/main" id="{1FD6C6EC-7F3B-4A91-A260-488E11C6682E}"/>
+              </a:ext>
+            </a:extLst>
+          </p:cNvPr>
+          <p:cNvSpPr>
+            <a:spLocks noGrp="1"/>
+          </p:cNvSpPr>
+          <p:nvPr>
+            <p:ph type="title"/>
+          </p:nvPr>
+        </p:nvSpPr>
+        <p:spPr>
+          <a:xfrm>
+            <a:off x="3204594" y="365125"/>
+            <a:ext cx="8149206" cy="1325563"/>
+          </a:xfrm>
+        </p:spPr>
+        <p:txBody>
+          <a:bodyPr/>
+          <a:lstStyle/>
+          <a:p>
+            <a:r>
+              <a:rPr lang="en-US" dirty="0"/>
+              <a:t>Black-box attack</a:t>
+            </a:r>
+            <a:r>
+              <a:rPr lang="ru-RU" dirty="0"/>
+              <a:t> </a:t>
+            </a:r>
+            <a:r>
+              <a:rPr lang="en-US" dirty="0"/>
+              <a:t>with a 20% leakage</a:t>
+            </a:r>
+            <a:endParaRPr lang="ru-RU" dirty="0"/>
+          </a:p>
+        </p:txBody>
+      </p:sp>
+      <p:sp>
+        <p:nvSpPr>
+          <p:cNvPr id="3" name="Объект 2">
+            <a:extLst>
+              <a:ext uri="{FF2B5EF4-FFF2-40B4-BE49-F238E27FC236}">
+                <a16:creationId xmlns:a16="http://schemas.microsoft.com/office/drawing/2014/main" id="{F8DE2330-2648-4792-8055-D91F67FE5D47}"/>
+              </a:ext>
+            </a:extLst>
+          </p:cNvPr>
+          <p:cNvSpPr>
+            <a:spLocks noGrp="1"/>
+          </p:cNvSpPr>
+          <p:nvPr>
+            <p:ph idx="1"/>
+          </p:nvPr>
+        </p:nvSpPr>
+        <p:spPr/>
+        <p:txBody>
+          <a:bodyPr/>
+          <a:lstStyle/>
+          <a:p>
+            <a:r>
+              <a:rPr lang="ru-RU" b="1" dirty="0"/>
+              <a:t>Задача</a:t>
+            </a:r>
+            <a:r>
+              <a:rPr lang="ru-RU" dirty="0"/>
+              <a:t>. Произошла утечка данных в </a:t>
+            </a:r>
+            <a:r>
+              <a:rPr lang="en-US" dirty="0"/>
+              <a:t>train</a:t>
+            </a:r>
+            <a:r>
+              <a:rPr lang="ru-RU" dirty="0"/>
+              <a:t>. Злоумышленник имеет доступ либо к генератору, либо к выборке, им созданной. Он хочет по данной записи узнать, использовалась ли она в </a:t>
+            </a:r>
+            <a:r>
+              <a:rPr lang="en-US" dirty="0"/>
+              <a:t>train.</a:t>
+            </a:r>
+            <a:endParaRPr lang="ru-RU" dirty="0"/>
+          </a:p>
+          <a:p>
+            <a:r>
+              <a:rPr lang="ru-RU" b="1" dirty="0"/>
+              <a:t>Идея</a:t>
+            </a:r>
+            <a:r>
+              <a:rPr lang="ru-RU" dirty="0"/>
+              <a:t>. Создать классификатор.</a:t>
+            </a:r>
+          </a:p>
+          <a:p>
+            <a:r>
+              <a:rPr lang="ru-RU" b="1" dirty="0"/>
+              <a:t>Метод</a:t>
+            </a:r>
+            <a:r>
+              <a:rPr lang="ru-RU" dirty="0"/>
+              <a:t>. Обучить доморощенный дискриминатор, который будет отличать настоящие снимки от сгенерированных. </a:t>
+            </a:r>
+          </a:p>
+          <a:p>
+            <a:r>
+              <a:rPr lang="ru-RU" b="1" dirty="0"/>
+              <a:t>Результат</a:t>
+            </a:r>
+            <a:r>
+              <a:rPr lang="ru-RU" dirty="0"/>
+              <a:t>. </a:t>
+            </a:r>
+          </a:p>
+          <a:p>
+            <a:pPr lvl="1">
+              <a:buFont typeface="Wingdings" panose="05000000000000000000" pitchFamily="2" charset="2"/>
+              <a:buChar char="Ø"/>
+            </a:pPr>
+            <a:r>
+              <a:rPr lang="en-US" dirty="0"/>
+              <a:t>DCGAN – 100%</a:t>
+            </a:r>
+          </a:p>
+          <a:p>
+            <a:pPr lvl="1">
+              <a:buFont typeface="Wingdings" panose="05000000000000000000" pitchFamily="2" charset="2"/>
+              <a:buChar char="Ø"/>
+            </a:pPr>
+            <a:r>
+              <a:rPr lang="en-US" dirty="0"/>
+              <a:t>Silly GAN – 63%</a:t>
+            </a:r>
+            <a:endParaRPr lang="ru-RU" dirty="0"/>
+          </a:p>
+        </p:txBody>
+      </p:sp>
     </p:spTree>
     <p:extLst>
       <p:ext uri="{BB962C8B-B14F-4D97-AF65-F5344CB8AC3E}">
-        <p14:creationId xmlns:p14="http://schemas.microsoft.com/office/powerpoint/2010/main" val="710093830"/>
+        <p14:creationId xmlns:p14="http://schemas.microsoft.com/office/powerpoint/2010/main" val="3620958163"/>
       </p:ext>
     </p:extLst>
   </p:cSld>
@@ -5200,10 +7008,212 @@
           <a:chExt cx="0" cy="0"/>
         </a:xfrm>
       </p:grpSpPr>
+      <p:sp>
+        <p:nvSpPr>
+          <p:cNvPr id="2" name="Заголовок 1">
+            <a:extLst>
+              <a:ext uri="{FF2B5EF4-FFF2-40B4-BE49-F238E27FC236}">
+                <a16:creationId xmlns:a16="http://schemas.microsoft.com/office/drawing/2014/main" id="{5E801AFF-BCD2-4685-A19A-AD7923167FAE}"/>
+              </a:ext>
+            </a:extLst>
+          </p:cNvPr>
+          <p:cNvSpPr>
+            <a:spLocks noGrp="1"/>
+          </p:cNvSpPr>
+          <p:nvPr>
+            <p:ph type="title"/>
+          </p:nvPr>
+        </p:nvSpPr>
+        <p:spPr>
+          <a:xfrm>
+            <a:off x="3171039" y="365125"/>
+            <a:ext cx="8182760" cy="1325563"/>
+          </a:xfrm>
+        </p:spPr>
+        <p:txBody>
+          <a:bodyPr/>
+          <a:lstStyle/>
+          <a:p>
+            <a:r>
+              <a:rPr lang="en-US" dirty="0"/>
+              <a:t>Black-box attack</a:t>
+            </a:r>
+            <a:r>
+              <a:rPr lang="ru-RU" dirty="0"/>
+              <a:t> </a:t>
+            </a:r>
+            <a:r>
+              <a:rPr lang="en-US" dirty="0"/>
+              <a:t>without any leakage</a:t>
+            </a:r>
+            <a:endParaRPr lang="ru-RU" dirty="0"/>
+          </a:p>
+        </p:txBody>
+      </p:sp>
+      <p:sp>
+        <p:nvSpPr>
+          <p:cNvPr id="3" name="Объект 2">
+            <a:extLst>
+              <a:ext uri="{FF2B5EF4-FFF2-40B4-BE49-F238E27FC236}">
+                <a16:creationId xmlns:a16="http://schemas.microsoft.com/office/drawing/2014/main" id="{E439F52A-228A-4779-84C9-D983E6AAE189}"/>
+              </a:ext>
+            </a:extLst>
+          </p:cNvPr>
+          <p:cNvSpPr>
+            <a:spLocks noGrp="1"/>
+          </p:cNvSpPr>
+          <p:nvPr>
+            <p:ph idx="1"/>
+          </p:nvPr>
+        </p:nvSpPr>
+        <p:spPr/>
+        <p:txBody>
+          <a:bodyPr/>
+          <a:lstStyle/>
+          <a:p>
+            <a:r>
+              <a:rPr lang="ru-RU" b="1" dirty="0"/>
+              <a:t>Задача. </a:t>
+            </a:r>
+            <a:r>
+              <a:rPr lang="ru-RU" dirty="0"/>
+              <a:t>Злоумышленник имеет доступ либо к генератору, либо к сгенерированной им (большой) выборке. Он хочет по заданной записи узнать, была ли она в </a:t>
+            </a:r>
+            <a:r>
+              <a:rPr lang="en-US" dirty="0"/>
+              <a:t>train </a:t>
+            </a:r>
+            <a:r>
+              <a:rPr lang="ru-RU" dirty="0"/>
+              <a:t>для </a:t>
+            </a:r>
+            <a:r>
+              <a:rPr lang="en-US" dirty="0"/>
+              <a:t>GAN</a:t>
+            </a:r>
+            <a:r>
+              <a:rPr lang="ru-RU" dirty="0"/>
+              <a:t>.</a:t>
+            </a:r>
+          </a:p>
+          <a:p>
+            <a:r>
+              <a:rPr lang="ru-RU" b="1" dirty="0"/>
+              <a:t>Идея. </a:t>
+            </a:r>
+            <a:r>
+              <a:rPr lang="ru-RU" dirty="0"/>
+              <a:t>Обучить доморощенный </a:t>
+            </a:r>
+            <a:r>
+              <a:rPr lang="en-US" dirty="0"/>
+              <a:t>GAN</a:t>
+            </a:r>
+            <a:r>
+              <a:rPr lang="ru-RU" dirty="0"/>
+              <a:t>.</a:t>
+            </a:r>
+          </a:p>
+          <a:p>
+            <a:r>
+              <a:rPr lang="ru-RU" b="1" dirty="0"/>
+              <a:t>Метод. </a:t>
+            </a:r>
+            <a:r>
+              <a:rPr lang="ru-RU" dirty="0"/>
+              <a:t>Обучается </a:t>
+            </a:r>
+            <a:r>
+              <a:rPr lang="en-US" dirty="0"/>
+              <a:t>GAN</a:t>
+            </a:r>
+            <a:r>
+              <a:rPr lang="ru-RU" dirty="0"/>
+              <a:t> на синтетической выборке, как если бы это были настоящие данные. </a:t>
+            </a:r>
+          </a:p>
+          <a:p>
+            <a:r>
+              <a:rPr lang="ru-RU" b="1" dirty="0"/>
+              <a:t>Результат. </a:t>
+            </a:r>
+          </a:p>
+          <a:p>
+            <a:pPr lvl="1">
+              <a:buFont typeface="Wingdings" panose="05000000000000000000" pitchFamily="2" charset="2"/>
+              <a:buChar char="Ø"/>
+            </a:pPr>
+            <a:r>
+              <a:rPr lang="en-US" dirty="0"/>
+              <a:t>DCGAN - </a:t>
+            </a:r>
+          </a:p>
+          <a:p>
+            <a:pPr lvl="2">
+              <a:buFont typeface="Wingdings" panose="05000000000000000000" pitchFamily="2" charset="2"/>
+              <a:buChar char="ü"/>
+            </a:pPr>
+            <a:r>
+              <a:rPr lang="en-US" dirty="0"/>
+              <a:t>57%</a:t>
+            </a:r>
+            <a:r>
+              <a:rPr lang="ru-RU" dirty="0"/>
+              <a:t>, если атаковать при помощи </a:t>
+            </a:r>
+            <a:r>
+              <a:rPr lang="en-US" dirty="0"/>
+              <a:t>Silly GAN</a:t>
+            </a:r>
+            <a:r>
+              <a:rPr lang="ru-RU" dirty="0"/>
+              <a:t>, </a:t>
+            </a:r>
+            <a:endParaRPr lang="en-US" dirty="0"/>
+          </a:p>
+          <a:p>
+            <a:pPr lvl="2">
+              <a:buFont typeface="Wingdings" panose="05000000000000000000" pitchFamily="2" charset="2"/>
+              <a:buChar char="ü"/>
+            </a:pPr>
+            <a:r>
+              <a:rPr lang="ru-RU" dirty="0"/>
+              <a:t>100% - с помощью </a:t>
+            </a:r>
+            <a:r>
+              <a:rPr lang="en-US" dirty="0"/>
+              <a:t>DCGAN</a:t>
+            </a:r>
+            <a:endParaRPr lang="ru-RU" dirty="0"/>
+          </a:p>
+          <a:p>
+            <a:pPr lvl="1">
+              <a:buFont typeface="Wingdings" panose="05000000000000000000" pitchFamily="2" charset="2"/>
+              <a:buChar char="Ø"/>
+            </a:pPr>
+            <a:r>
+              <a:rPr lang="en-US" dirty="0"/>
+              <a:t>Silly GAN </a:t>
+            </a:r>
+            <a:r>
+              <a:rPr lang="ru-RU" dirty="0"/>
+              <a:t>– не тестировалась</a:t>
+            </a:r>
+            <a:r>
+              <a:rPr lang="en-US" dirty="0"/>
+              <a:t> </a:t>
+            </a:r>
+            <a:r>
+              <a:rPr lang="ru-RU" dirty="0"/>
+              <a:t>(и так понятно)</a:t>
+            </a:r>
+          </a:p>
+        </p:txBody>
+      </p:sp>
     </p:spTree>
     <p:extLst>
       <p:ext uri="{BB962C8B-B14F-4D97-AF65-F5344CB8AC3E}">
-        <p14:creationId xmlns:p14="http://schemas.microsoft.com/office/powerpoint/2010/main" val="1122914730"/>
+        <p14:creationId xmlns:p14="http://schemas.microsoft.com/office/powerpoint/2010/main" val="3040443830"/>
       </p:ext>
     </p:extLst>
   </p:cSld>
